--- a/8 QUEENS PROBLEM.pptx
+++ b/8 QUEENS PROBLEM.pptx
@@ -10,10 +10,13 @@
     <p:sldId id="260" r:id="rId4"/>
     <p:sldId id="261" r:id="rId5"/>
     <p:sldId id="262" r:id="rId6"/>
-    <p:sldId id="263" r:id="rId7"/>
-    <p:sldId id="264" r:id="rId8"/>
-    <p:sldId id="269" r:id="rId9"/>
-    <p:sldId id="258" r:id="rId10"/>
+    <p:sldId id="264" r:id="rId7"/>
+    <p:sldId id="263" r:id="rId8"/>
+    <p:sldId id="270" r:id="rId9"/>
+    <p:sldId id="271" r:id="rId10"/>
+    <p:sldId id="269" r:id="rId11"/>
+    <p:sldId id="272" r:id="rId12"/>
+    <p:sldId id="258" r:id="rId13"/>
   </p:sldIdLst>
   <p:sldSz cx="12192000" cy="6858000"/>
   <p:notesSz cx="6858000" cy="9144000"/>
@@ -285,7 +288,7 @@
           <a:p>
             <a:fld id="{72EA7947-E287-4738-8C82-07CE4F01EF03}" type="datetime2">
               <a:rPr lang="en-US" smtClean="0"/>
-              <a:t>Friday, November 8, 2024</a:t>
+              <a:t>Monday, November 25, 2024</a:t>
             </a:fld>
             <a:endParaRPr lang="en-US" dirty="0"/>
           </a:p>
@@ -1321,7 +1324,7 @@
           <a:p>
             <a:fld id="{EE2EBD84-71F4-4271-8C46-0D47C0A9B12E}" type="datetime2">
               <a:rPr lang="en-US" smtClean="0"/>
-              <a:t>Friday, November 8, 2024</a:t>
+              <a:t>Monday, November 25, 2024</a:t>
             </a:fld>
             <a:endParaRPr lang="en-US"/>
           </a:p>
@@ -1532,7 +1535,7 @@
           <a:p>
             <a:fld id="{ABAE0CE1-F450-4107-B2CB-17B18F8A3F4A}" type="datetime2">
               <a:rPr lang="en-US" smtClean="0"/>
-              <a:t>Friday, November 8, 2024</a:t>
+              <a:t>Monday, November 25, 2024</a:t>
             </a:fld>
             <a:endParaRPr lang="en-US"/>
           </a:p>
@@ -2197,7 +2200,7 @@
           <a:p>
             <a:fld id="{6FE8C025-CD7A-4966-867E-81CF82B15267}" type="datetime2">
               <a:rPr lang="en-US" smtClean="0"/>
-              <a:t>Friday, November 8, 2024</a:t>
+              <a:t>Monday, November 25, 2024</a:t>
             </a:fld>
             <a:endParaRPr lang="en-US"/>
           </a:p>
@@ -2817,7 +2820,7 @@
           <a:p>
             <a:fld id="{FE809929-0719-4517-94D6-FDF7F99E70F6}" type="datetime2">
               <a:rPr lang="en-US" smtClean="0"/>
-              <a:t>Friday, November 8, 2024</a:t>
+              <a:t>Monday, November 25, 2024</a:t>
             </a:fld>
             <a:endParaRPr lang="en-US"/>
           </a:p>
@@ -3935,7 +3938,7 @@
           <a:p>
             <a:fld id="{20E95673-5512-4AAA-9AEB-E00C61EC65D5}" type="datetime2">
               <a:rPr lang="en-US" smtClean="0"/>
-              <a:t>Friday, November 8, 2024</a:t>
+              <a:t>Monday, November 25, 2024</a:t>
             </a:fld>
             <a:endParaRPr lang="en-US"/>
           </a:p>
@@ -4482,7 +4485,7 @@
           <a:p>
             <a:fld id="{C13138FA-2E87-4873-8BBA-13E447C9A99A}" type="datetime2">
               <a:rPr lang="en-US" smtClean="0"/>
-              <a:t>Friday, November 8, 2024</a:t>
+              <a:t>Monday, November 25, 2024</a:t>
             </a:fld>
             <a:endParaRPr lang="en-US"/>
           </a:p>
@@ -4643,7 +4646,7 @@
           <a:p>
             <a:fld id="{D75BB40A-97BD-4BFB-B639-0BFF95FDE8B7}" type="datetime2">
               <a:rPr lang="en-US" smtClean="0"/>
-              <a:t>Friday, November 8, 2024</a:t>
+              <a:t>Monday, November 25, 2024</a:t>
             </a:fld>
             <a:endParaRPr lang="en-US"/>
           </a:p>
@@ -5678,7 +5681,7 @@
           <a:p>
             <a:fld id="{9EE9E0E3-ECF6-4CFE-8698-AEFEBCECC3C0}" type="datetime2">
               <a:rPr lang="en-US" smtClean="0"/>
-              <a:t>Friday, November 8, 2024</a:t>
+              <a:t>Monday, November 25, 2024</a:t>
             </a:fld>
             <a:endParaRPr lang="en-US"/>
           </a:p>
@@ -6324,7 +6327,7 @@
           <a:p>
             <a:fld id="{251462FC-960E-4740-921F-B36862979F21}" type="datetime2">
               <a:rPr lang="en-US" smtClean="0"/>
-              <a:t>Friday, November 8, 2024</a:t>
+              <a:t>Monday, November 25, 2024</a:t>
             </a:fld>
             <a:endParaRPr lang="en-US"/>
           </a:p>
@@ -7088,7 +7091,7 @@
           <a:p>
             <a:fld id="{E50BC9E2-CB44-4C05-9BB5-496C18A241E0}" type="datetime2">
               <a:rPr lang="en-US" smtClean="0"/>
-              <a:t>Friday, November 8, 2024</a:t>
+              <a:t>Monday, November 25, 2024</a:t>
             </a:fld>
             <a:endParaRPr lang="en-US"/>
           </a:p>
@@ -7341,7 +7344,7 @@
           <a:p>
             <a:fld id="{246CB39B-5F4C-4A7E-9BE3-AAFD45576D16}" type="datetime2">
               <a:rPr lang="en-US" smtClean="0"/>
-              <a:t>Friday, November 8, 2024</a:t>
+              <a:t>Monday, November 25, 2024</a:t>
             </a:fld>
             <a:endParaRPr lang="en-US" dirty="0"/>
           </a:p>
@@ -8263,6 +8266,806 @@
 </p:sld>
 </file>
 
+<file path=ppt/slides/slide10.xml><?xml version="1.0" encoding="utf-8"?>
+<p:sld xmlns:a="http://schemas.openxmlformats.org/drawingml/2006/main" xmlns:r="http://schemas.openxmlformats.org/officeDocument/2006/relationships" xmlns:p="http://schemas.openxmlformats.org/presentationml/2006/main">
+  <p:cSld>
+    <p:spTree>
+      <p:nvGrpSpPr>
+        <p:cNvPr id="1" name="">
+          <a:extLst>
+            <a:ext uri="{FF2B5EF4-FFF2-40B4-BE49-F238E27FC236}">
+              <a16:creationId xmlns:a16="http://schemas.microsoft.com/office/drawing/2014/main" id="{E7585A48-B4E4-BBE4-1609-8CB081676F20}"/>
+            </a:ext>
+          </a:extLst>
+        </p:cNvPr>
+        <p:cNvGrpSpPr/>
+        <p:nvPr/>
+      </p:nvGrpSpPr>
+      <p:grpSpPr>
+        <a:xfrm>
+          <a:off x="0" y="0"/>
+          <a:ext cx="0" cy="0"/>
+          <a:chOff x="0" y="0"/>
+          <a:chExt cx="0" cy="0"/>
+        </a:xfrm>
+      </p:grpSpPr>
+      <p:sp>
+        <p:nvSpPr>
+          <p:cNvPr id="2" name="Tytuł 1">
+            <a:extLst>
+              <a:ext uri="{FF2B5EF4-FFF2-40B4-BE49-F238E27FC236}">
+                <a16:creationId xmlns:a16="http://schemas.microsoft.com/office/drawing/2014/main" id="{4A6FBF6D-D6E0-07DF-0D73-319608B99429}"/>
+              </a:ext>
+            </a:extLst>
+          </p:cNvPr>
+          <p:cNvSpPr>
+            <a:spLocks noGrp="1"/>
+          </p:cNvSpPr>
+          <p:nvPr>
+            <p:ph type="ctrTitle"/>
+          </p:nvPr>
+        </p:nvSpPr>
+        <p:spPr>
+          <a:xfrm>
+            <a:off x="2909094" y="537139"/>
+            <a:ext cx="6373812" cy="984885"/>
+          </a:xfrm>
+        </p:spPr>
+        <p:txBody>
+          <a:bodyPr wrap="square" anchor="ctr">
+            <a:normAutofit/>
+          </a:bodyPr>
+          <a:lstStyle/>
+          <a:p>
+            <a:pPr algn="ctr"/>
+            <a:r>
+              <a:rPr lang="pl-PL" sz="4800" dirty="0"/>
+              <a:t>Wnioski</a:t>
+            </a:r>
+          </a:p>
+        </p:txBody>
+      </p:sp>
+      <p:pic>
+        <p:nvPicPr>
+          <p:cNvPr id="4" name="Picture 3">
+            <a:extLst>
+              <a:ext uri="{FF2B5EF4-FFF2-40B4-BE49-F238E27FC236}">
+                <a16:creationId xmlns:a16="http://schemas.microsoft.com/office/drawing/2014/main" id="{BC30BEEA-511A-E7CA-4090-F0E2624E983F}"/>
+              </a:ext>
+            </a:extLst>
+          </p:cNvPr>
+          <p:cNvPicPr>
+            <a:picLocks noChangeAspect="1"/>
+          </p:cNvPicPr>
+          <p:nvPr/>
+        </p:nvPicPr>
+        <p:blipFill>
+          <a:blip r:embed="rId2"/>
+          <a:srcRect t="5435" b="42350"/>
+          <a:stretch/>
+        </p:blipFill>
+        <p:spPr>
+          <a:xfrm>
+            <a:off x="20" y="2083436"/>
+            <a:ext cx="12191980" cy="4774564"/>
+          </a:xfrm>
+          <a:custGeom>
+            <a:avLst/>
+            <a:gdLst/>
+            <a:ahLst/>
+            <a:cxnLst/>
+            <a:rect l="l" t="t" r="r" b="b"/>
+            <a:pathLst>
+              <a:path w="12192000" h="4774564">
+                <a:moveTo>
+                  <a:pt x="0" y="0"/>
+                </a:moveTo>
+                <a:lnTo>
+                  <a:pt x="12192000" y="0"/>
+                </a:lnTo>
+                <a:lnTo>
+                  <a:pt x="12192000" y="4774564"/>
+                </a:lnTo>
+                <a:lnTo>
+                  <a:pt x="0" y="4774564"/>
+                </a:lnTo>
+                <a:close/>
+              </a:path>
+            </a:pathLst>
+          </a:custGeom>
+        </p:spPr>
+      </p:pic>
+      <p:sp>
+        <p:nvSpPr>
+          <p:cNvPr id="5" name="Rectangle 1">
+            <a:extLst>
+              <a:ext uri="{FF2B5EF4-FFF2-40B4-BE49-F238E27FC236}">
+                <a16:creationId xmlns:a16="http://schemas.microsoft.com/office/drawing/2014/main" id="{979CB4D2-3AA1-359E-32E7-8A9ECF7F06F7}"/>
+              </a:ext>
+            </a:extLst>
+          </p:cNvPr>
+          <p:cNvSpPr>
+            <a:spLocks noChangeArrowheads="1"/>
+          </p:cNvSpPr>
+          <p:nvPr/>
+        </p:nvSpPr>
+        <p:spPr bwMode="auto">
+          <a:xfrm>
+            <a:off x="243537" y="2961405"/>
+            <a:ext cx="8378256" cy="2862322"/>
+          </a:xfrm>
+          <a:prstGeom prst="rect">
+            <a:avLst/>
+          </a:prstGeom>
+          <a:noFill/>
+          <a:ln>
+            <a:noFill/>
+          </a:ln>
+          <a:effectLst/>
+          <a:extLst>
+            <a:ext uri="{909E8E84-426E-40DD-AFC4-6F175D3DCCD1}">
+              <a14:hiddenFill xmlns:a14="http://schemas.microsoft.com/office/drawing/2010/main">
+                <a:solidFill>
+                  <a:schemeClr val="accent1"/>
+                </a:solidFill>
+              </a14:hiddenFill>
+            </a:ext>
+            <a:ext uri="{91240B29-F687-4F45-9708-019B960494DF}">
+              <a14:hiddenLine xmlns:a14="http://schemas.microsoft.com/office/drawing/2010/main" w="9525">
+                <a:solidFill>
+                  <a:schemeClr val="tx1"/>
+                </a:solidFill>
+                <a:miter lim="800000"/>
+                <a:headEnd/>
+                <a:tailEnd/>
+              </a14:hiddenLine>
+            </a:ext>
+            <a:ext uri="{AF507438-7753-43E0-B8FC-AC1667EBCBE1}">
+              <a14:hiddenEffects xmlns:a14="http://schemas.microsoft.com/office/drawing/2010/main">
+                <a:effectLst>
+                  <a:outerShdw dist="35921" dir="2700000" algn="ctr" rotWithShape="0">
+                    <a:schemeClr val="bg2"/>
+                  </a:outerShdw>
+                </a:effectLst>
+              </a14:hiddenEffects>
+            </a:ext>
+          </a:extLst>
+        </p:spPr>
+        <p:txBody>
+          <a:bodyPr vert="horz" wrap="none" lIns="91440" tIns="45720" rIns="91440" bIns="45720" numCol="1" anchor="ctr" anchorCtr="0" compatLnSpc="1">
+            <a:prstTxWarp prst="textNoShape">
+              <a:avLst/>
+            </a:prstTxWarp>
+            <a:spAutoFit/>
+          </a:bodyPr>
+          <a:lstStyle/>
+          <a:p>
+            <a:pPr>
+              <a:buFont typeface="Arial" panose="020B0604020202020204" pitchFamily="34" charset="0"/>
+              <a:buChar char="•"/>
+            </a:pPr>
+            <a:r>
+              <a:rPr lang="pl-PL" b="1" dirty="0">
+                <a:solidFill>
+                  <a:schemeClr val="bg1"/>
+                </a:solidFill>
+              </a:rPr>
+              <a:t>Skuteczność</a:t>
+            </a:r>
+            <a:r>
+              <a:rPr lang="pl-PL" dirty="0">
+                <a:solidFill>
+                  <a:schemeClr val="bg1"/>
+                </a:solidFill>
+              </a:rPr>
+              <a:t> – Algorytm genetyczny skutecznie rozwiązał problem 8-queens, </a:t>
+            </a:r>
+          </a:p>
+          <a:p>
+            <a:r>
+              <a:rPr lang="pl-PL" dirty="0">
+                <a:solidFill>
+                  <a:schemeClr val="bg1"/>
+                </a:solidFill>
+              </a:rPr>
+              <a:t>	co potwierdza jego przydatność w problemach optymalizacyjnych.</a:t>
+            </a:r>
+          </a:p>
+          <a:p>
+            <a:pPr>
+              <a:buFont typeface="Arial" panose="020B0604020202020204" pitchFamily="34" charset="0"/>
+              <a:buChar char="•"/>
+            </a:pPr>
+            <a:r>
+              <a:rPr lang="pl-PL" b="1" dirty="0">
+                <a:solidFill>
+                  <a:schemeClr val="bg1"/>
+                </a:solidFill>
+              </a:rPr>
+              <a:t>Parametryzacja</a:t>
+            </a:r>
+            <a:r>
+              <a:rPr lang="pl-PL" dirty="0">
+                <a:solidFill>
+                  <a:schemeClr val="bg1"/>
+                </a:solidFill>
+              </a:rPr>
+              <a:t> – Kluczowe jest dobranie odpowiednich parametrów </a:t>
+            </a:r>
+          </a:p>
+          <a:p>
+            <a:r>
+              <a:rPr lang="pl-PL" dirty="0">
+                <a:solidFill>
+                  <a:schemeClr val="bg1"/>
+                </a:solidFill>
+              </a:rPr>
+              <a:t>	algorytmu (populacja, mutacja, liczba pokoleń), co ma </a:t>
+            </a:r>
+          </a:p>
+          <a:p>
+            <a:r>
+              <a:rPr lang="pl-PL" dirty="0">
+                <a:solidFill>
+                  <a:schemeClr val="bg1"/>
+                </a:solidFill>
+              </a:rPr>
+              <a:t>	bezpośredni wpływ na czas i skuteczność znajdowania rozwiązania.</a:t>
+            </a:r>
+          </a:p>
+          <a:p>
+            <a:pPr>
+              <a:buFont typeface="Arial" panose="020B0604020202020204" pitchFamily="34" charset="0"/>
+              <a:buChar char="•"/>
+            </a:pPr>
+            <a:r>
+              <a:rPr lang="pl-PL" b="1" dirty="0">
+                <a:solidFill>
+                  <a:schemeClr val="bg1"/>
+                </a:solidFill>
+              </a:rPr>
+              <a:t>Perspektywy</a:t>
+            </a:r>
+            <a:r>
+              <a:rPr lang="pl-PL" dirty="0">
+                <a:solidFill>
+                  <a:schemeClr val="bg1"/>
+                </a:solidFill>
+              </a:rPr>
+              <a:t> – Algorytm ten można z łatwością dostosować do </a:t>
+            </a:r>
+          </a:p>
+          <a:p>
+            <a:pPr lvl="1"/>
+            <a:r>
+              <a:rPr lang="pl-PL" dirty="0">
+                <a:solidFill>
+                  <a:schemeClr val="bg1"/>
+                </a:solidFill>
+              </a:rPr>
+              <a:t>	rozwiązywania innych problemów optymalizacji, </a:t>
+            </a:r>
+          </a:p>
+          <a:p>
+            <a:pPr lvl="1"/>
+            <a:r>
+              <a:rPr lang="pl-PL" dirty="0">
+                <a:solidFill>
+                  <a:schemeClr val="bg1"/>
+                </a:solidFill>
+              </a:rPr>
+              <a:t>	np. komiwojażera. Dalszym krokiem może być badanie </a:t>
+            </a:r>
+          </a:p>
+          <a:p>
+            <a:pPr lvl="1"/>
+            <a:r>
+              <a:rPr lang="pl-PL" dirty="0">
+                <a:solidFill>
+                  <a:schemeClr val="bg1"/>
+                </a:solidFill>
+              </a:rPr>
+              <a:t>	efektywności algorytmu na szachownicach o większych </a:t>
+            </a:r>
+          </a:p>
+          <a:p>
+            <a:pPr lvl="1"/>
+            <a:r>
+              <a:rPr lang="pl-PL" dirty="0">
+                <a:solidFill>
+                  <a:schemeClr val="bg1"/>
+                </a:solidFill>
+              </a:rPr>
+              <a:t>	rozmiarach lub w zastosowaniach praktycznych.</a:t>
+            </a:r>
+          </a:p>
+        </p:txBody>
+      </p:sp>
+    </p:spTree>
+    <p:extLst>
+      <p:ext uri="{BB962C8B-B14F-4D97-AF65-F5344CB8AC3E}">
+        <p14:creationId xmlns:p14="http://schemas.microsoft.com/office/powerpoint/2010/main" val="4069318120"/>
+      </p:ext>
+    </p:extLst>
+  </p:cSld>
+  <p:clrMapOvr>
+    <a:masterClrMapping/>
+  </p:clrMapOvr>
+</p:sld>
+</file>
+
+<file path=ppt/slides/slide11.xml><?xml version="1.0" encoding="utf-8"?>
+<p:sld xmlns:a="http://schemas.openxmlformats.org/drawingml/2006/main" xmlns:r="http://schemas.openxmlformats.org/officeDocument/2006/relationships" xmlns:p="http://schemas.openxmlformats.org/presentationml/2006/main">
+  <p:cSld>
+    <p:spTree>
+      <p:nvGrpSpPr>
+        <p:cNvPr id="1" name="">
+          <a:extLst>
+            <a:ext uri="{FF2B5EF4-FFF2-40B4-BE49-F238E27FC236}">
+              <a16:creationId xmlns:a16="http://schemas.microsoft.com/office/drawing/2014/main" id="{6CA11D32-B8C6-2B80-830E-CBEC3F8688AE}"/>
+            </a:ext>
+          </a:extLst>
+        </p:cNvPr>
+        <p:cNvGrpSpPr/>
+        <p:nvPr/>
+      </p:nvGrpSpPr>
+      <p:grpSpPr>
+        <a:xfrm>
+          <a:off x="0" y="0"/>
+          <a:ext cx="0" cy="0"/>
+          <a:chOff x="0" y="0"/>
+          <a:chExt cx="0" cy="0"/>
+        </a:xfrm>
+      </p:grpSpPr>
+      <p:sp>
+        <p:nvSpPr>
+          <p:cNvPr id="2" name="Tytuł 1">
+            <a:extLst>
+              <a:ext uri="{FF2B5EF4-FFF2-40B4-BE49-F238E27FC236}">
+                <a16:creationId xmlns:a16="http://schemas.microsoft.com/office/drawing/2014/main" id="{6901C14A-800F-5DF8-5423-BE4339DFEDCA}"/>
+              </a:ext>
+            </a:extLst>
+          </p:cNvPr>
+          <p:cNvSpPr>
+            <a:spLocks noGrp="1"/>
+          </p:cNvSpPr>
+          <p:nvPr>
+            <p:ph type="ctrTitle"/>
+          </p:nvPr>
+        </p:nvSpPr>
+        <p:spPr>
+          <a:xfrm>
+            <a:off x="2909094" y="537139"/>
+            <a:ext cx="6373812" cy="984885"/>
+          </a:xfrm>
+        </p:spPr>
+        <p:txBody>
+          <a:bodyPr wrap="square" anchor="ctr">
+            <a:normAutofit/>
+          </a:bodyPr>
+          <a:lstStyle/>
+          <a:p>
+            <a:pPr algn="ctr"/>
+            <a:r>
+              <a:rPr lang="pl-PL" sz="4800" dirty="0"/>
+              <a:t>Wnioski szczegółowe</a:t>
+            </a:r>
+          </a:p>
+        </p:txBody>
+      </p:sp>
+      <p:pic>
+        <p:nvPicPr>
+          <p:cNvPr id="4" name="Picture 3">
+            <a:extLst>
+              <a:ext uri="{FF2B5EF4-FFF2-40B4-BE49-F238E27FC236}">
+                <a16:creationId xmlns:a16="http://schemas.microsoft.com/office/drawing/2014/main" id="{196BF5A9-0B60-890E-2505-A8BBB7B66600}"/>
+              </a:ext>
+            </a:extLst>
+          </p:cNvPr>
+          <p:cNvPicPr>
+            <a:picLocks noChangeAspect="1"/>
+          </p:cNvPicPr>
+          <p:nvPr/>
+        </p:nvPicPr>
+        <p:blipFill>
+          <a:blip r:embed="rId2"/>
+          <a:srcRect t="5435" b="42350"/>
+          <a:stretch/>
+        </p:blipFill>
+        <p:spPr>
+          <a:xfrm>
+            <a:off x="20" y="2083436"/>
+            <a:ext cx="12191980" cy="4774564"/>
+          </a:xfrm>
+          <a:custGeom>
+            <a:avLst/>
+            <a:gdLst/>
+            <a:ahLst/>
+            <a:cxnLst/>
+            <a:rect l="l" t="t" r="r" b="b"/>
+            <a:pathLst>
+              <a:path w="12192000" h="4774564">
+                <a:moveTo>
+                  <a:pt x="0" y="0"/>
+                </a:moveTo>
+                <a:lnTo>
+                  <a:pt x="12192000" y="0"/>
+                </a:lnTo>
+                <a:lnTo>
+                  <a:pt x="12192000" y="4774564"/>
+                </a:lnTo>
+                <a:lnTo>
+                  <a:pt x="0" y="4774564"/>
+                </a:lnTo>
+                <a:close/>
+              </a:path>
+            </a:pathLst>
+          </a:custGeom>
+        </p:spPr>
+      </p:pic>
+      <p:sp>
+        <p:nvSpPr>
+          <p:cNvPr id="5" name="Rectangle 1">
+            <a:extLst>
+              <a:ext uri="{FF2B5EF4-FFF2-40B4-BE49-F238E27FC236}">
+                <a16:creationId xmlns:a16="http://schemas.microsoft.com/office/drawing/2014/main" id="{6EC34C49-7EA7-62A5-FB2A-02432ADF827C}"/>
+              </a:ext>
+            </a:extLst>
+          </p:cNvPr>
+          <p:cNvSpPr>
+            <a:spLocks noChangeArrowheads="1"/>
+          </p:cNvSpPr>
+          <p:nvPr/>
+        </p:nvSpPr>
+        <p:spPr bwMode="auto">
+          <a:xfrm>
+            <a:off x="607332" y="2991747"/>
+            <a:ext cx="6412901" cy="2585323"/>
+          </a:xfrm>
+          <a:prstGeom prst="rect">
+            <a:avLst/>
+          </a:prstGeom>
+          <a:noFill/>
+          <a:ln>
+            <a:noFill/>
+          </a:ln>
+          <a:effectLst/>
+          <a:extLst>
+            <a:ext uri="{909E8E84-426E-40DD-AFC4-6F175D3DCCD1}">
+              <a14:hiddenFill xmlns:a14="http://schemas.microsoft.com/office/drawing/2010/main">
+                <a:solidFill>
+                  <a:schemeClr val="accent1"/>
+                </a:solidFill>
+              </a14:hiddenFill>
+            </a:ext>
+            <a:ext uri="{91240B29-F687-4F45-9708-019B960494DF}">
+              <a14:hiddenLine xmlns:a14="http://schemas.microsoft.com/office/drawing/2010/main" w="9525">
+                <a:solidFill>
+                  <a:schemeClr val="tx1"/>
+                </a:solidFill>
+                <a:miter lim="800000"/>
+                <a:headEnd/>
+                <a:tailEnd/>
+              </a14:hiddenLine>
+            </a:ext>
+            <a:ext uri="{AF507438-7753-43E0-B8FC-AC1667EBCBE1}">
+              <a14:hiddenEffects xmlns:a14="http://schemas.microsoft.com/office/drawing/2010/main">
+                <a:effectLst>
+                  <a:outerShdw dist="35921" dir="2700000" algn="ctr" rotWithShape="0">
+                    <a:schemeClr val="bg2"/>
+                  </a:outerShdw>
+                </a:effectLst>
+              </a14:hiddenEffects>
+            </a:ext>
+          </a:extLst>
+        </p:spPr>
+        <p:txBody>
+          <a:bodyPr vert="horz" wrap="square" lIns="91440" tIns="45720" rIns="91440" bIns="45720" numCol="1" anchor="ctr" anchorCtr="0" compatLnSpc="1">
+            <a:prstTxWarp prst="textNoShape">
+              <a:avLst/>
+            </a:prstTxWarp>
+            <a:spAutoFit/>
+          </a:bodyPr>
+          <a:lstStyle/>
+          <a:p>
+            <a:pPr>
+              <a:buFont typeface="Arial" panose="020B0604020202020204" pitchFamily="34" charset="0"/>
+              <a:buChar char="•"/>
+            </a:pPr>
+            <a:r>
+              <a:rPr lang="pl-PL" dirty="0">
+                <a:solidFill>
+                  <a:schemeClr val="bg1"/>
+                </a:solidFill>
+              </a:rPr>
+              <a:t>Można zauważyć, że problem jest rozwiązywany dla 500 generacji, kiedy N wynosi maksymalnie 9</a:t>
+            </a:r>
+          </a:p>
+          <a:p>
+            <a:pPr>
+              <a:buFont typeface="Arial" panose="020B0604020202020204" pitchFamily="34" charset="0"/>
+              <a:buChar char="•"/>
+            </a:pPr>
+            <a:r>
+              <a:rPr lang="pl-PL" dirty="0">
+                <a:solidFill>
+                  <a:schemeClr val="bg1"/>
+                </a:solidFill>
+              </a:rPr>
+              <a:t>Przy większych N problem dochodzi do 1,2 zbić i dalej nie znajduje rozwiązania w podanym czasie</a:t>
+            </a:r>
+          </a:p>
+          <a:p>
+            <a:pPr>
+              <a:buFont typeface="Arial" panose="020B0604020202020204" pitchFamily="34" charset="0"/>
+              <a:buChar char="•"/>
+            </a:pPr>
+            <a:endParaRPr lang="pl-PL" dirty="0">
+              <a:solidFill>
+                <a:schemeClr val="bg1"/>
+              </a:solidFill>
+            </a:endParaRPr>
+          </a:p>
+          <a:p>
+            <a:pPr>
+              <a:buFont typeface="Arial" panose="020B0604020202020204" pitchFamily="34" charset="0"/>
+              <a:buChar char="•"/>
+            </a:pPr>
+            <a:r>
+              <a:rPr lang="pl-PL" dirty="0">
+                <a:solidFill>
+                  <a:schemeClr val="bg1"/>
+                </a:solidFill>
+              </a:rPr>
+              <a:t>Algorytm świetnie rozwiązuje przedstawiony bazowy problem</a:t>
+            </a:r>
+          </a:p>
+          <a:p>
+            <a:pPr>
+              <a:buFont typeface="Arial" panose="020B0604020202020204" pitchFamily="34" charset="0"/>
+              <a:buChar char="•"/>
+            </a:pPr>
+            <a:r>
+              <a:rPr lang="pl-PL" dirty="0">
+                <a:solidFill>
+                  <a:schemeClr val="bg1"/>
+                </a:solidFill>
+              </a:rPr>
+              <a:t>Z problemami bardziej skomplikowanymi obliczeniowo radzi sobie dobrze, ale niewystarczająco</a:t>
+            </a:r>
+          </a:p>
+        </p:txBody>
+      </p:sp>
+    </p:spTree>
+    <p:extLst>
+      <p:ext uri="{BB962C8B-B14F-4D97-AF65-F5344CB8AC3E}">
+        <p14:creationId xmlns:p14="http://schemas.microsoft.com/office/powerpoint/2010/main" val="3508743946"/>
+      </p:ext>
+    </p:extLst>
+  </p:cSld>
+  <p:clrMapOvr>
+    <a:masterClrMapping/>
+  </p:clrMapOvr>
+</p:sld>
+</file>
+
+<file path=ppt/slides/slide12.xml><?xml version="1.0" encoding="utf-8"?>
+<p:sld xmlns:a="http://schemas.openxmlformats.org/drawingml/2006/main" xmlns:r="http://schemas.openxmlformats.org/officeDocument/2006/relationships" xmlns:p="http://schemas.openxmlformats.org/presentationml/2006/main">
+  <p:cSld>
+    <p:spTree>
+      <p:nvGrpSpPr>
+        <p:cNvPr id="1" name="">
+          <a:extLst>
+            <a:ext uri="{FF2B5EF4-FFF2-40B4-BE49-F238E27FC236}">
+              <a16:creationId xmlns:a16="http://schemas.microsoft.com/office/drawing/2014/main" id="{A1AA8A35-A467-875C-C040-B407322F13FA}"/>
+            </a:ext>
+          </a:extLst>
+        </p:cNvPr>
+        <p:cNvGrpSpPr/>
+        <p:nvPr/>
+      </p:nvGrpSpPr>
+      <p:grpSpPr>
+        <a:xfrm>
+          <a:off x="0" y="0"/>
+          <a:ext cx="0" cy="0"/>
+          <a:chOff x="0" y="0"/>
+          <a:chExt cx="0" cy="0"/>
+        </a:xfrm>
+      </p:grpSpPr>
+      <p:sp>
+        <p:nvSpPr>
+          <p:cNvPr id="2" name="Tytuł 1">
+            <a:extLst>
+              <a:ext uri="{FF2B5EF4-FFF2-40B4-BE49-F238E27FC236}">
+                <a16:creationId xmlns:a16="http://schemas.microsoft.com/office/drawing/2014/main" id="{EDA96D1C-0931-289F-8A97-929330377ECD}"/>
+              </a:ext>
+            </a:extLst>
+          </p:cNvPr>
+          <p:cNvSpPr>
+            <a:spLocks noGrp="1"/>
+          </p:cNvSpPr>
+          <p:nvPr>
+            <p:ph type="ctrTitle"/>
+          </p:nvPr>
+        </p:nvSpPr>
+        <p:spPr>
+          <a:xfrm>
+            <a:off x="2909094" y="510121"/>
+            <a:ext cx="6373812" cy="984885"/>
+          </a:xfrm>
+        </p:spPr>
+        <p:txBody>
+          <a:bodyPr wrap="square" anchor="ctr">
+            <a:normAutofit/>
+          </a:bodyPr>
+          <a:lstStyle/>
+          <a:p>
+            <a:pPr algn="ctr"/>
+            <a:r>
+              <a:rPr lang="pl-PL" sz="4800" dirty="0"/>
+              <a:t>Literatura</a:t>
+            </a:r>
+          </a:p>
+        </p:txBody>
+      </p:sp>
+      <p:pic>
+        <p:nvPicPr>
+          <p:cNvPr id="4" name="Picture 3">
+            <a:extLst>
+              <a:ext uri="{FF2B5EF4-FFF2-40B4-BE49-F238E27FC236}">
+                <a16:creationId xmlns:a16="http://schemas.microsoft.com/office/drawing/2014/main" id="{DD3A22A4-5C61-6F4A-2735-1D154809997B}"/>
+              </a:ext>
+            </a:extLst>
+          </p:cNvPr>
+          <p:cNvPicPr>
+            <a:picLocks noChangeAspect="1"/>
+          </p:cNvPicPr>
+          <p:nvPr/>
+        </p:nvPicPr>
+        <p:blipFill>
+          <a:blip r:embed="rId2"/>
+          <a:srcRect t="5435" b="42350"/>
+          <a:stretch/>
+        </p:blipFill>
+        <p:spPr>
+          <a:xfrm>
+            <a:off x="20" y="2083435"/>
+            <a:ext cx="12191980" cy="4774564"/>
+          </a:xfrm>
+          <a:custGeom>
+            <a:avLst/>
+            <a:gdLst/>
+            <a:ahLst/>
+            <a:cxnLst/>
+            <a:rect l="l" t="t" r="r" b="b"/>
+            <a:pathLst>
+              <a:path w="12192000" h="4774564">
+                <a:moveTo>
+                  <a:pt x="0" y="0"/>
+                </a:moveTo>
+                <a:lnTo>
+                  <a:pt x="12192000" y="0"/>
+                </a:lnTo>
+                <a:lnTo>
+                  <a:pt x="12192000" y="4774564"/>
+                </a:lnTo>
+                <a:lnTo>
+                  <a:pt x="0" y="4774564"/>
+                </a:lnTo>
+                <a:close/>
+              </a:path>
+            </a:pathLst>
+          </a:custGeom>
+        </p:spPr>
+      </p:pic>
+      <p:sp>
+        <p:nvSpPr>
+          <p:cNvPr id="3" name="pole tekstowe 2">
+            <a:extLst>
+              <a:ext uri="{FF2B5EF4-FFF2-40B4-BE49-F238E27FC236}">
+                <a16:creationId xmlns:a16="http://schemas.microsoft.com/office/drawing/2014/main" id="{CDD2E3DD-9FE1-0F36-8C2C-F534F8B1CC2D}"/>
+              </a:ext>
+            </a:extLst>
+          </p:cNvPr>
+          <p:cNvSpPr txBox="1"/>
+          <p:nvPr/>
+        </p:nvSpPr>
+        <p:spPr>
+          <a:xfrm>
+            <a:off x="550864" y="2389240"/>
+            <a:ext cx="6213730" cy="2400657"/>
+          </a:xfrm>
+          <a:prstGeom prst="rect">
+            <a:avLst/>
+          </a:prstGeom>
+          <a:noFill/>
+        </p:spPr>
+        <p:txBody>
+          <a:bodyPr wrap="square" rtlCol="0">
+            <a:spAutoFit/>
+          </a:bodyPr>
+          <a:lstStyle/>
+          <a:p>
+            <a:r>
+              <a:rPr lang="pl-PL" sz="2400" b="1" dirty="0">
+                <a:solidFill>
+                  <a:schemeClr val="bg1"/>
+                </a:solidFill>
+              </a:rPr>
+              <a:t>Źródła opracowań dla algorytmów:</a:t>
+            </a:r>
+            <a:endParaRPr lang="pl-PL" dirty="0">
+              <a:solidFill>
+                <a:schemeClr val="bg1"/>
+              </a:solidFill>
+            </a:endParaRPr>
+          </a:p>
+          <a:p>
+            <a:pPr marL="285750" indent="-285750">
+              <a:buFont typeface="Arial" panose="020B0604020202020204" pitchFamily="34" charset="0"/>
+              <a:buChar char="•"/>
+            </a:pPr>
+            <a:r>
+              <a:rPr lang="pl-PL" dirty="0">
+                <a:solidFill>
+                  <a:schemeClr val="bg1"/>
+                </a:solidFill>
+                <a:hlinkClick r:id="rId3"/>
+              </a:rPr>
+              <a:t>https://medium.com/nerd-for-tech/genetic-algorithm-8-queens-problem-b01730e673fd</a:t>
+            </a:r>
+            <a:endParaRPr lang="pl-PL" dirty="0">
+              <a:solidFill>
+                <a:schemeClr val="bg1"/>
+              </a:solidFill>
+            </a:endParaRPr>
+          </a:p>
+          <a:p>
+            <a:pPr marL="285750" indent="-285750">
+              <a:buFont typeface="Arial" panose="020B0604020202020204" pitchFamily="34" charset="0"/>
+              <a:buChar char="•"/>
+            </a:pPr>
+            <a:r>
+              <a:rPr lang="pl-PL" dirty="0">
+                <a:solidFill>
+                  <a:schemeClr val="bg1"/>
+                </a:solidFill>
+                <a:hlinkClick r:id="rId4"/>
+              </a:rPr>
+              <a:t>https://www.researchgate.net/publication/294121515_Solving_8-Queens_Problem_by_Using_Genetic_Algorithms_Simulated_Annealing_and_Randomization_Method</a:t>
+            </a:r>
+            <a:endParaRPr lang="pl-PL" dirty="0">
+              <a:solidFill>
+                <a:schemeClr val="bg1"/>
+              </a:solidFill>
+            </a:endParaRPr>
+          </a:p>
+          <a:p>
+            <a:pPr marL="285750" indent="-285750">
+              <a:buFont typeface="Arial" panose="020B0604020202020204" pitchFamily="34" charset="0"/>
+              <a:buChar char="•"/>
+            </a:pPr>
+            <a:endParaRPr lang="pl-PL" dirty="0">
+              <a:solidFill>
+                <a:schemeClr val="bg1"/>
+              </a:solidFill>
+            </a:endParaRPr>
+          </a:p>
+        </p:txBody>
+      </p:sp>
+    </p:spTree>
+    <p:extLst>
+      <p:ext uri="{BB962C8B-B14F-4D97-AF65-F5344CB8AC3E}">
+        <p14:creationId xmlns:p14="http://schemas.microsoft.com/office/powerpoint/2010/main" val="3414085482"/>
+      </p:ext>
+    </p:extLst>
+  </p:cSld>
+  <p:clrMapOvr>
+    <a:masterClrMapping/>
+  </p:clrMapOvr>
+</p:sld>
+</file>
+
 <file path=ppt/slides/slide2.xml><?xml version="1.0" encoding="utf-8"?>
 <p:sld xmlns:a="http://schemas.openxmlformats.org/drawingml/2006/main" xmlns:r="http://schemas.openxmlformats.org/officeDocument/2006/relationships" xmlns:p="http://schemas.openxmlformats.org/presentationml/2006/main">
   <p:cSld>
@@ -8819,7 +9622,7 @@
         <p:spPr>
           <a:xfrm>
             <a:off x="167407" y="2083436"/>
-            <a:ext cx="7853240" cy="2031325"/>
+            <a:ext cx="7773090" cy="1754326"/>
           </a:xfrm>
           <a:prstGeom prst="rect">
             <a:avLst/>
@@ -8882,29 +9685,17 @@
                   <a:schemeClr val="bg1"/>
                 </a:solidFill>
               </a:rPr>
-              <a:t> – każdy osobnik w populacji zawiera potencjalne </a:t>
-            </a:r>
-          </a:p>
-          <a:p>
-            <a:pPr lvl="1"/>
+              <a:t> – każdy osobnik w populacji zawiera informacje o </a:t>
+            </a:r>
+          </a:p>
+          <a:p>
             <a:r>
               <a:rPr lang="pl-PL" dirty="0">
                 <a:solidFill>
                   <a:schemeClr val="bg1"/>
                 </a:solidFill>
               </a:rPr>
-              <a:t>położenie hetmanów w formie wektora długości 8, gdzie każda </a:t>
-            </a:r>
-          </a:p>
-          <a:p>
-            <a:pPr lvl="1"/>
-            <a:r>
-              <a:rPr lang="pl-PL" dirty="0">
-                <a:solidFill>
-                  <a:schemeClr val="bg1"/>
-                </a:solidFill>
-              </a:rPr>
-              <a:t>liczba oznacza pozycję w kolumnie (indeks rzędów).</a:t>
+              <a:t>	położeniu hetmanów na planszy.</a:t>
             </a:r>
           </a:p>
           <a:p>
@@ -9166,7 +9957,7 @@
                   <a:schemeClr val="bg1"/>
                 </a:solidFill>
               </a:rPr>
-              <a:t> – dobre wyniki są na 150 osobników</a:t>
+              <a:t> – dobre wyniki są na 250 osobników</a:t>
             </a:r>
           </a:p>
           <a:p>
@@ -9199,7 +9990,7 @@
                   <a:schemeClr val="bg1"/>
                 </a:solidFill>
               </a:rPr>
-              <a:t>	1000 generacji</a:t>
+              <a:t>	500 generacji</a:t>
             </a:r>
           </a:p>
           <a:p>
@@ -9270,10 +10061,10 @@
       </p:sp>
       <p:pic>
         <p:nvPicPr>
-          <p:cNvPr id="10" name="Obraz 9">
-            <a:extLst>
-              <a:ext uri="{FF2B5EF4-FFF2-40B4-BE49-F238E27FC236}">
-                <a16:creationId xmlns:a16="http://schemas.microsoft.com/office/drawing/2014/main" id="{9148ED11-EEFD-6BDB-40BA-A3D0A782ECAE}"/>
+          <p:cNvPr id="6" name="Obraz 5">
+            <a:extLst>
+              <a:ext uri="{FF2B5EF4-FFF2-40B4-BE49-F238E27FC236}">
+                <a16:creationId xmlns:a16="http://schemas.microsoft.com/office/drawing/2014/main" id="{DBD294C7-D036-1C71-B04E-52A8DCC3AB74}"/>
               </a:ext>
             </a:extLst>
           </p:cNvPr>
@@ -9290,8 +10081,8 @@
         </p:blipFill>
         <p:spPr>
           <a:xfrm>
-            <a:off x="522264" y="4777636"/>
-            <a:ext cx="9869277" cy="1000265"/>
+            <a:off x="1021743" y="4861976"/>
+            <a:ext cx="9440592" cy="1066949"/>
           </a:xfrm>
           <a:prstGeom prst="rect">
             <a:avLst/>
@@ -9645,6 +10436,520 @@
         <p:cNvPr id="1" name="">
           <a:extLst>
             <a:ext uri="{FF2B5EF4-FFF2-40B4-BE49-F238E27FC236}">
+              <a16:creationId xmlns:a16="http://schemas.microsoft.com/office/drawing/2014/main" id="{17AFE3A3-9571-2F06-BF96-9EAA41833F25}"/>
+            </a:ext>
+          </a:extLst>
+        </p:cNvPr>
+        <p:cNvGrpSpPr/>
+        <p:nvPr/>
+      </p:nvGrpSpPr>
+      <p:grpSpPr>
+        <a:xfrm>
+          <a:off x="0" y="0"/>
+          <a:ext cx="0" cy="0"/>
+          <a:chOff x="0" y="0"/>
+          <a:chExt cx="0" cy="0"/>
+        </a:xfrm>
+      </p:grpSpPr>
+      <p:sp>
+        <p:nvSpPr>
+          <p:cNvPr id="2" name="Tytuł 1">
+            <a:extLst>
+              <a:ext uri="{FF2B5EF4-FFF2-40B4-BE49-F238E27FC236}">
+                <a16:creationId xmlns:a16="http://schemas.microsoft.com/office/drawing/2014/main" id="{C6495C1C-7FD7-3D2A-7564-87F0F6342B96}"/>
+              </a:ext>
+            </a:extLst>
+          </p:cNvPr>
+          <p:cNvSpPr>
+            <a:spLocks noGrp="1"/>
+          </p:cNvSpPr>
+          <p:nvPr>
+            <p:ph type="ctrTitle"/>
+          </p:nvPr>
+        </p:nvSpPr>
+        <p:spPr>
+          <a:xfrm>
+            <a:off x="2909094" y="537139"/>
+            <a:ext cx="6373812" cy="984885"/>
+          </a:xfrm>
+        </p:spPr>
+        <p:txBody>
+          <a:bodyPr wrap="square" anchor="ctr">
+            <a:normAutofit/>
+          </a:bodyPr>
+          <a:lstStyle/>
+          <a:p>
+            <a:pPr algn="ctr"/>
+            <a:r>
+              <a:rPr lang="pl-PL" sz="4800" dirty="0"/>
+              <a:t>Dyskusja</a:t>
+            </a:r>
+          </a:p>
+        </p:txBody>
+      </p:sp>
+      <p:pic>
+        <p:nvPicPr>
+          <p:cNvPr id="4" name="Picture 3">
+            <a:extLst>
+              <a:ext uri="{FF2B5EF4-FFF2-40B4-BE49-F238E27FC236}">
+                <a16:creationId xmlns:a16="http://schemas.microsoft.com/office/drawing/2014/main" id="{A84CCD13-0BE0-CEE0-C45B-23D1419EC72B}"/>
+              </a:ext>
+            </a:extLst>
+          </p:cNvPr>
+          <p:cNvPicPr>
+            <a:picLocks noChangeAspect="1"/>
+          </p:cNvPicPr>
+          <p:nvPr/>
+        </p:nvPicPr>
+        <p:blipFill>
+          <a:blip r:embed="rId2"/>
+          <a:srcRect t="5435" b="42350"/>
+          <a:stretch/>
+        </p:blipFill>
+        <p:spPr>
+          <a:xfrm>
+            <a:off x="20" y="2083436"/>
+            <a:ext cx="12191980" cy="4774564"/>
+          </a:xfrm>
+          <a:custGeom>
+            <a:avLst/>
+            <a:gdLst/>
+            <a:ahLst/>
+            <a:cxnLst/>
+            <a:rect l="l" t="t" r="r" b="b"/>
+            <a:pathLst>
+              <a:path w="12192000" h="4774564">
+                <a:moveTo>
+                  <a:pt x="0" y="0"/>
+                </a:moveTo>
+                <a:lnTo>
+                  <a:pt x="12192000" y="0"/>
+                </a:lnTo>
+                <a:lnTo>
+                  <a:pt x="12192000" y="4774564"/>
+                </a:lnTo>
+                <a:lnTo>
+                  <a:pt x="0" y="4774564"/>
+                </a:lnTo>
+                <a:close/>
+              </a:path>
+            </a:pathLst>
+          </a:custGeom>
+        </p:spPr>
+      </p:pic>
+      <p:sp>
+        <p:nvSpPr>
+          <p:cNvPr id="5" name="Rectangle 1">
+            <a:extLst>
+              <a:ext uri="{FF2B5EF4-FFF2-40B4-BE49-F238E27FC236}">
+                <a16:creationId xmlns:a16="http://schemas.microsoft.com/office/drawing/2014/main" id="{D5CF75AC-90F2-F774-491C-E03A6440E992}"/>
+              </a:ext>
+            </a:extLst>
+          </p:cNvPr>
+          <p:cNvSpPr>
+            <a:spLocks noChangeArrowheads="1"/>
+          </p:cNvSpPr>
+          <p:nvPr/>
+        </p:nvSpPr>
+        <p:spPr bwMode="auto">
+          <a:xfrm>
+            <a:off x="243537" y="2684404"/>
+            <a:ext cx="7869527" cy="3416320"/>
+          </a:xfrm>
+          <a:prstGeom prst="rect">
+            <a:avLst/>
+          </a:prstGeom>
+          <a:noFill/>
+          <a:ln>
+            <a:noFill/>
+          </a:ln>
+          <a:effectLst/>
+          <a:extLst>
+            <a:ext uri="{909E8E84-426E-40DD-AFC4-6F175D3DCCD1}">
+              <a14:hiddenFill xmlns:a14="http://schemas.microsoft.com/office/drawing/2010/main">
+                <a:solidFill>
+                  <a:schemeClr val="accent1"/>
+                </a:solidFill>
+              </a14:hiddenFill>
+            </a:ext>
+            <a:ext uri="{91240B29-F687-4F45-9708-019B960494DF}">
+              <a14:hiddenLine xmlns:a14="http://schemas.microsoft.com/office/drawing/2010/main" w="9525">
+                <a:solidFill>
+                  <a:schemeClr val="tx1"/>
+                </a:solidFill>
+                <a:miter lim="800000"/>
+                <a:headEnd/>
+                <a:tailEnd/>
+              </a14:hiddenLine>
+            </a:ext>
+            <a:ext uri="{AF507438-7753-43E0-B8FC-AC1667EBCBE1}">
+              <a14:hiddenEffects xmlns:a14="http://schemas.microsoft.com/office/drawing/2010/main">
+                <a:effectLst>
+                  <a:outerShdw dist="35921" dir="2700000" algn="ctr" rotWithShape="0">
+                    <a:schemeClr val="bg2"/>
+                  </a:outerShdw>
+                </a:effectLst>
+              </a14:hiddenEffects>
+            </a:ext>
+          </a:extLst>
+        </p:spPr>
+        <p:txBody>
+          <a:bodyPr vert="horz" wrap="none" lIns="91440" tIns="45720" rIns="91440" bIns="45720" numCol="1" anchor="ctr" anchorCtr="0" compatLnSpc="1">
+            <a:prstTxWarp prst="textNoShape">
+              <a:avLst/>
+            </a:prstTxWarp>
+            <a:spAutoFit/>
+          </a:bodyPr>
+          <a:lstStyle/>
+          <a:p>
+            <a:pPr lvl="0" eaLnBrk="0" fontAlgn="base" hangingPunct="0">
+              <a:spcBef>
+                <a:spcPct val="0"/>
+              </a:spcBef>
+              <a:spcAft>
+                <a:spcPct val="0"/>
+              </a:spcAft>
+              <a:buFontTx/>
+              <a:buChar char="•"/>
+            </a:pPr>
+            <a:r>
+              <a:rPr lang="pl-PL" altLang="pl-PL" b="1" dirty="0">
+                <a:solidFill>
+                  <a:schemeClr val="bg1"/>
+                </a:solidFill>
+                <a:latin typeface="Arial" panose="020B0604020202020204" pitchFamily="34" charset="0"/>
+              </a:rPr>
+              <a:t>Efektywność algorytmu</a:t>
+            </a:r>
+            <a:r>
+              <a:rPr lang="pl-PL" altLang="pl-PL" dirty="0">
+                <a:solidFill>
+                  <a:schemeClr val="bg1"/>
+                </a:solidFill>
+                <a:latin typeface="Arial" panose="020B0604020202020204" pitchFamily="34" charset="0"/>
+              </a:rPr>
+              <a:t> – Algorytmy genetyczne są wydajne i skuteczne </a:t>
+            </a:r>
+          </a:p>
+          <a:p>
+            <a:pPr lvl="0" eaLnBrk="0" fontAlgn="base" hangingPunct="0">
+              <a:spcBef>
+                <a:spcPct val="0"/>
+              </a:spcBef>
+              <a:spcAft>
+                <a:spcPct val="0"/>
+              </a:spcAft>
+            </a:pPr>
+            <a:r>
+              <a:rPr lang="pl-PL" altLang="pl-PL" dirty="0">
+                <a:solidFill>
+                  <a:schemeClr val="bg1"/>
+                </a:solidFill>
+                <a:latin typeface="Arial" panose="020B0604020202020204" pitchFamily="34" charset="0"/>
+              </a:rPr>
+              <a:t>	przy problemach z dużą liczbą potencjalnych rozwiązań, </a:t>
+            </a:r>
+          </a:p>
+          <a:p>
+            <a:pPr lvl="0" eaLnBrk="0" fontAlgn="base" hangingPunct="0">
+              <a:spcBef>
+                <a:spcPct val="0"/>
+              </a:spcBef>
+              <a:spcAft>
+                <a:spcPct val="0"/>
+              </a:spcAft>
+            </a:pPr>
+            <a:r>
+              <a:rPr lang="pl-PL" altLang="pl-PL" dirty="0">
+                <a:solidFill>
+                  <a:schemeClr val="bg1"/>
+                </a:solidFill>
+                <a:latin typeface="Arial" panose="020B0604020202020204" pitchFamily="34" charset="0"/>
+              </a:rPr>
+              <a:t>	takich jak problem hetmanów. Pomimo losowego charakteru, </a:t>
+            </a:r>
+          </a:p>
+          <a:p>
+            <a:pPr lvl="0" eaLnBrk="0" fontAlgn="base" hangingPunct="0">
+              <a:spcBef>
+                <a:spcPct val="0"/>
+              </a:spcBef>
+              <a:spcAft>
+                <a:spcPct val="0"/>
+              </a:spcAft>
+            </a:pPr>
+            <a:r>
+              <a:rPr lang="pl-PL" altLang="pl-PL" dirty="0">
+                <a:solidFill>
+                  <a:schemeClr val="bg1"/>
+                </a:solidFill>
+                <a:latin typeface="Arial" panose="020B0604020202020204" pitchFamily="34" charset="0"/>
+              </a:rPr>
+              <a:t>	osiągają optymalne rozwiązania w stosunkowo krótkim czasie.</a:t>
+            </a:r>
+          </a:p>
+          <a:p>
+            <a:pPr lvl="0" eaLnBrk="0" fontAlgn="base" hangingPunct="0">
+              <a:spcBef>
+                <a:spcPct val="0"/>
+              </a:spcBef>
+              <a:spcAft>
+                <a:spcPct val="0"/>
+              </a:spcAft>
+              <a:buFontTx/>
+              <a:buChar char="•"/>
+            </a:pPr>
+            <a:r>
+              <a:rPr lang="pl-PL" altLang="pl-PL" b="1" dirty="0">
+                <a:solidFill>
+                  <a:schemeClr val="bg1"/>
+                </a:solidFill>
+                <a:latin typeface="Arial" panose="020B0604020202020204" pitchFamily="34" charset="0"/>
+              </a:rPr>
+              <a:t>Zalety i wady</a:t>
+            </a:r>
+            <a:r>
+              <a:rPr lang="pl-PL" altLang="pl-PL" dirty="0">
+                <a:solidFill>
+                  <a:schemeClr val="bg1"/>
+                </a:solidFill>
+                <a:latin typeface="Arial" panose="020B0604020202020204" pitchFamily="34" charset="0"/>
+              </a:rPr>
+              <a:t> – Główną zaletą jest możliwość zastosowania algorytmu </a:t>
+            </a:r>
+          </a:p>
+          <a:p>
+            <a:pPr lvl="0" eaLnBrk="0" fontAlgn="base" hangingPunct="0">
+              <a:spcBef>
+                <a:spcPct val="0"/>
+              </a:spcBef>
+              <a:spcAft>
+                <a:spcPct val="0"/>
+              </a:spcAft>
+            </a:pPr>
+            <a:r>
+              <a:rPr lang="pl-PL" altLang="pl-PL" dirty="0">
+                <a:solidFill>
+                  <a:schemeClr val="bg1"/>
+                </a:solidFill>
+                <a:latin typeface="Arial" panose="020B0604020202020204" pitchFamily="34" charset="0"/>
+              </a:rPr>
+              <a:t>	w różnych problemach optymalizacyjnych. Wadą jest ryzyko </a:t>
+            </a:r>
+          </a:p>
+          <a:p>
+            <a:pPr lvl="0" eaLnBrk="0" fontAlgn="base" hangingPunct="0">
+              <a:spcBef>
+                <a:spcPct val="0"/>
+              </a:spcBef>
+              <a:spcAft>
+                <a:spcPct val="0"/>
+              </a:spcAft>
+            </a:pPr>
+            <a:r>
+              <a:rPr lang="pl-PL" altLang="pl-PL" dirty="0">
+                <a:solidFill>
+                  <a:schemeClr val="bg1"/>
+                </a:solidFill>
+                <a:latin typeface="Arial" panose="020B0604020202020204" pitchFamily="34" charset="0"/>
+              </a:rPr>
+              <a:t>	utknięcia w lokalnych minimach i konieczność dostosowania </a:t>
+            </a:r>
+          </a:p>
+          <a:p>
+            <a:pPr lvl="0" eaLnBrk="0" fontAlgn="base" hangingPunct="0">
+              <a:spcBef>
+                <a:spcPct val="0"/>
+              </a:spcBef>
+              <a:spcAft>
+                <a:spcPct val="0"/>
+              </a:spcAft>
+            </a:pPr>
+            <a:r>
+              <a:rPr lang="pl-PL" altLang="pl-PL" dirty="0">
+                <a:solidFill>
+                  <a:schemeClr val="bg1"/>
+                </a:solidFill>
+                <a:latin typeface="Arial" panose="020B0604020202020204" pitchFamily="34" charset="0"/>
+              </a:rPr>
+              <a:t>	parametrów (np. mutacji).</a:t>
+            </a:r>
+          </a:p>
+          <a:p>
+            <a:pPr lvl="0" eaLnBrk="0" fontAlgn="base" hangingPunct="0">
+              <a:spcBef>
+                <a:spcPct val="0"/>
+              </a:spcBef>
+              <a:spcAft>
+                <a:spcPct val="0"/>
+              </a:spcAft>
+              <a:buFontTx/>
+              <a:buChar char="•"/>
+            </a:pPr>
+            <a:r>
+              <a:rPr lang="pl-PL" altLang="pl-PL" b="1" dirty="0">
+                <a:solidFill>
+                  <a:schemeClr val="bg1"/>
+                </a:solidFill>
+                <a:latin typeface="Arial" panose="020B0604020202020204" pitchFamily="34" charset="0"/>
+              </a:rPr>
+              <a:t>Zastosowanie innych metod</a:t>
+            </a:r>
+            <a:r>
+              <a:rPr lang="pl-PL" altLang="pl-PL" dirty="0">
+                <a:solidFill>
+                  <a:schemeClr val="bg1"/>
+                </a:solidFill>
+                <a:latin typeface="Arial" panose="020B0604020202020204" pitchFamily="34" charset="0"/>
+              </a:rPr>
+              <a:t> – Dla porównania można przedstawić </a:t>
+            </a:r>
+          </a:p>
+          <a:p>
+            <a:pPr lvl="0" eaLnBrk="0" fontAlgn="base" hangingPunct="0">
+              <a:spcBef>
+                <a:spcPct val="0"/>
+              </a:spcBef>
+              <a:spcAft>
+                <a:spcPct val="0"/>
+              </a:spcAft>
+            </a:pPr>
+            <a:r>
+              <a:rPr lang="pl-PL" altLang="pl-PL" dirty="0">
+                <a:solidFill>
+                  <a:schemeClr val="bg1"/>
+                </a:solidFill>
+                <a:latin typeface="Arial" panose="020B0604020202020204" pitchFamily="34" charset="0"/>
+              </a:rPr>
+              <a:t>	wyniki metod deterministycznych, takich jak </a:t>
+            </a:r>
+            <a:r>
+              <a:rPr lang="pl-PL" altLang="pl-PL" dirty="0" err="1">
+                <a:solidFill>
+                  <a:schemeClr val="bg1"/>
+                </a:solidFill>
+                <a:latin typeface="Arial" panose="020B0604020202020204" pitchFamily="34" charset="0"/>
+              </a:rPr>
+              <a:t>backtracking</a:t>
+            </a:r>
+            <a:r>
+              <a:rPr lang="pl-PL" altLang="pl-PL" dirty="0">
+                <a:solidFill>
+                  <a:schemeClr val="bg1"/>
+                </a:solidFill>
+                <a:latin typeface="Arial" panose="020B0604020202020204" pitchFamily="34" charset="0"/>
+              </a:rPr>
+              <a:t>, </a:t>
+            </a:r>
+          </a:p>
+          <a:p>
+            <a:pPr lvl="0" eaLnBrk="0" fontAlgn="base" hangingPunct="0">
+              <a:spcBef>
+                <a:spcPct val="0"/>
+              </a:spcBef>
+              <a:spcAft>
+                <a:spcPct val="0"/>
+              </a:spcAft>
+            </a:pPr>
+            <a:r>
+              <a:rPr lang="pl-PL" altLang="pl-PL" dirty="0">
+                <a:solidFill>
+                  <a:schemeClr val="bg1"/>
+                </a:solidFill>
+                <a:latin typeface="Arial" panose="020B0604020202020204" pitchFamily="34" charset="0"/>
+              </a:rPr>
+              <a:t>	które w przypadku tego problemu są bardziej przewidywalne, </a:t>
+            </a:r>
+          </a:p>
+          <a:p>
+            <a:pPr lvl="0" eaLnBrk="0" fontAlgn="base" hangingPunct="0">
+              <a:spcBef>
+                <a:spcPct val="0"/>
+              </a:spcBef>
+              <a:spcAft>
+                <a:spcPct val="0"/>
+              </a:spcAft>
+            </a:pPr>
+            <a:r>
+              <a:rPr lang="pl-PL" altLang="pl-PL" dirty="0">
+                <a:solidFill>
+                  <a:schemeClr val="bg1"/>
+                </a:solidFill>
+                <a:latin typeface="Arial" panose="020B0604020202020204" pitchFamily="34" charset="0"/>
+              </a:rPr>
+              <a:t>	choć mniej elastyczne dla większych problemów. </a:t>
+            </a:r>
+          </a:p>
+        </p:txBody>
+      </p:sp>
+      <p:pic>
+        <p:nvPicPr>
+          <p:cNvPr id="8" name="Picture 4" descr="Ed Miller - Poker jest jak kryptografia - PokerTexas.net">
+            <a:extLst>
+              <a:ext uri="{FF2B5EF4-FFF2-40B4-BE49-F238E27FC236}">
+                <a16:creationId xmlns:a16="http://schemas.microsoft.com/office/drawing/2014/main" id="{C6220FAD-39FF-98C0-A31E-1D414E113533}"/>
+              </a:ext>
+            </a:extLst>
+          </p:cNvPr>
+          <p:cNvPicPr>
+            <a:picLocks noChangeAspect="1" noChangeArrowheads="1"/>
+          </p:cNvPicPr>
+          <p:nvPr/>
+        </p:nvPicPr>
+        <p:blipFill>
+          <a:blip r:embed="rId3">
+            <a:extLst>
+              <a:ext uri="{28A0092B-C50C-407E-A947-70E740481C1C}">
+                <a14:useLocalDpi xmlns:a14="http://schemas.microsoft.com/office/drawing/2010/main" val="0"/>
+              </a:ext>
+            </a:extLst>
+          </a:blip>
+          <a:srcRect/>
+          <a:stretch>
+            <a:fillRect/>
+          </a:stretch>
+        </p:blipFill>
+        <p:spPr bwMode="auto">
+          <a:xfrm>
+            <a:off x="8533940" y="2269307"/>
+            <a:ext cx="2714625" cy="1685925"/>
+          </a:xfrm>
+          <a:prstGeom prst="rect">
+            <a:avLst/>
+          </a:prstGeom>
+          <a:noFill/>
+          <a:extLst>
+            <a:ext uri="{909E8E84-426E-40DD-AFC4-6F175D3DCCD1}">
+              <a14:hiddenFill xmlns:a14="http://schemas.microsoft.com/office/drawing/2010/main">
+                <a:solidFill>
+                  <a:srgbClr val="FFFFFF"/>
+                </a:solidFill>
+              </a14:hiddenFill>
+            </a:ext>
+          </a:extLst>
+        </p:spPr>
+      </p:pic>
+    </p:spTree>
+    <p:extLst>
+      <p:ext uri="{BB962C8B-B14F-4D97-AF65-F5344CB8AC3E}">
+        <p14:creationId xmlns:p14="http://schemas.microsoft.com/office/powerpoint/2010/main" val="2241361794"/>
+      </p:ext>
+    </p:extLst>
+  </p:cSld>
+  <p:clrMapOvr>
+    <a:masterClrMapping/>
+  </p:clrMapOvr>
+</p:sld>
+</file>
+
+<file path=ppt/slides/slide7.xml><?xml version="1.0" encoding="utf-8"?>
+<p:sld xmlns:a="http://schemas.openxmlformats.org/drawingml/2006/main" xmlns:r="http://schemas.openxmlformats.org/officeDocument/2006/relationships" xmlns:p="http://schemas.openxmlformats.org/presentationml/2006/main">
+  <p:cSld>
+    <p:spTree>
+      <p:nvGrpSpPr>
+        <p:cNvPr id="1" name="">
+          <a:extLst>
+            <a:ext uri="{FF2B5EF4-FFF2-40B4-BE49-F238E27FC236}">
               <a16:creationId xmlns:a16="http://schemas.microsoft.com/office/drawing/2014/main" id="{0B09041E-B781-CE9A-E75B-FAD05500469E}"/>
             </a:ext>
           </a:extLst>
@@ -9762,8 +11067,8 @@
         </p:nvSpPr>
         <p:spPr bwMode="auto">
           <a:xfrm>
-            <a:off x="288594" y="3072552"/>
-            <a:ext cx="7138493" cy="2031325"/>
+            <a:off x="288595" y="3072552"/>
+            <a:ext cx="7252748" cy="2031325"/>
           </a:xfrm>
           <a:prstGeom prst="rect">
             <a:avLst/>
@@ -9803,7 +11108,7 @@
           </a:extLst>
         </p:spPr>
         <p:txBody>
-          <a:bodyPr vert="horz" wrap="none" lIns="91440" tIns="45720" rIns="91440" bIns="45720" numCol="1" anchor="ctr" anchorCtr="0" compatLnSpc="1">
+          <a:bodyPr vert="horz" wrap="square" lIns="91440" tIns="45720" rIns="91440" bIns="45720" numCol="1" anchor="ctr" anchorCtr="0" compatLnSpc="1">
             <a:prstTxWarp prst="textNoShape">
               <a:avLst/>
             </a:prstTxWarp>
@@ -9837,37 +11142,17 @@
                 </a:solidFill>
                 <a:latin typeface="Arial" panose="020B0604020202020204" pitchFamily="34" charset="0"/>
               </a:rPr>
-              <a:t> – Po kilkudziesięciu pokoleniach algorytm </a:t>
-            </a:r>
-          </a:p>
-          <a:p>
-            <a:pPr lvl="1" eaLnBrk="0" fontAlgn="base" hangingPunct="0">
-              <a:spcBef>
-                <a:spcPct val="0"/>
-              </a:spcBef>
-              <a:spcAft>
-                <a:spcPct val="0"/>
-              </a:spcAft>
-            </a:pPr>
-            <a:r>
-              <a:rPr lang="pl-PL" altLang="pl-PL" dirty="0">
+              <a:t> – W zależności od ilości hetmanów 	algorytm osiąga poprawne rozmieszczenie figur </a:t>
+            </a:r>
+            <a:r>
+              <a:rPr lang="pl-PL" altLang="pl-PL">
                 <a:solidFill>
                   <a:schemeClr val="bg1"/>
                 </a:solidFill>
                 <a:latin typeface="Arial" panose="020B0604020202020204" pitchFamily="34" charset="0"/>
               </a:rPr>
-              <a:t>	osiąga poprawne rozmieszczenie ośmiu hetmanów bez </a:t>
-            </a:r>
-          </a:p>
-          <a:p>
-            <a:pPr lvl="1" eaLnBrk="0" fontAlgn="base" hangingPunct="0">
-              <a:spcBef>
-                <a:spcPct val="0"/>
-              </a:spcBef>
-              <a:spcAft>
-                <a:spcPct val="0"/>
-              </a:spcAft>
-            </a:pPr>
+              <a:t>po 	kilkudziesięciu pokoleniach (</a:t>
+            </a:r>
             <a:r>
               <a:rPr lang="pl-PL" altLang="pl-PL" dirty="0">
                 <a:solidFill>
@@ -9875,7 +11160,7 @@
                 </a:solidFill>
                 <a:latin typeface="Arial" panose="020B0604020202020204" pitchFamily="34" charset="0"/>
               </a:rPr>
-              <a:t>	ataków (czyli wartość fitness = 0).</a:t>
+              <a:t>czyli wartość fitness = 0).</a:t>
             </a:r>
           </a:p>
           <a:p>
@@ -9980,10 +11265,10 @@
       </p:sp>
       <p:pic>
         <p:nvPicPr>
-          <p:cNvPr id="13" name="Obraz 12">
-            <a:extLst>
-              <a:ext uri="{FF2B5EF4-FFF2-40B4-BE49-F238E27FC236}">
-                <a16:creationId xmlns:a16="http://schemas.microsoft.com/office/drawing/2014/main" id="{4FF3BB4C-3311-49E0-EA41-5AE773D5613B}"/>
+          <p:cNvPr id="5" name="Obraz 4">
+            <a:extLst>
+              <a:ext uri="{FF2B5EF4-FFF2-40B4-BE49-F238E27FC236}">
+                <a16:creationId xmlns:a16="http://schemas.microsoft.com/office/drawing/2014/main" id="{5C58861E-4621-C2EB-8E25-B60A78A4E007}"/>
               </a:ext>
             </a:extLst>
           </p:cNvPr>
@@ -10000,8 +11285,8 @@
         </p:blipFill>
         <p:spPr>
           <a:xfrm>
-            <a:off x="7427087" y="2657967"/>
-            <a:ext cx="4648179" cy="3645813"/>
+            <a:off x="7833668" y="2179300"/>
+            <a:ext cx="3746831" cy="4429432"/>
           </a:xfrm>
           <a:prstGeom prst="rect">
             <a:avLst/>
@@ -10021,7 +11306,7 @@
 </p:sld>
 </file>
 
-<file path=ppt/slides/slide7.xml><?xml version="1.0" encoding="utf-8"?>
+<file path=ppt/slides/slide8.xml><?xml version="1.0" encoding="utf-8"?>
 <p:sld xmlns:a="http://schemas.openxmlformats.org/drawingml/2006/main" xmlns:r="http://schemas.openxmlformats.org/officeDocument/2006/relationships" xmlns:p="http://schemas.openxmlformats.org/presentationml/2006/main">
   <p:cSld>
     <p:spTree>
@@ -10029,7 +11314,7 @@
         <p:cNvPr id="1" name="">
           <a:extLst>
             <a:ext uri="{FF2B5EF4-FFF2-40B4-BE49-F238E27FC236}">
-              <a16:creationId xmlns:a16="http://schemas.microsoft.com/office/drawing/2014/main" id="{17AFE3A3-9571-2F06-BF96-9EAA41833F25}"/>
+              <a16:creationId xmlns:a16="http://schemas.microsoft.com/office/drawing/2014/main" id="{0EF3EF73-8B69-A425-8F50-C6042D0AA7F6}"/>
             </a:ext>
           </a:extLst>
         </p:cNvPr>
@@ -10049,7 +11334,7 @@
           <p:cNvPr id="2" name="Tytuł 1">
             <a:extLst>
               <a:ext uri="{FF2B5EF4-FFF2-40B4-BE49-F238E27FC236}">
-                <a16:creationId xmlns:a16="http://schemas.microsoft.com/office/drawing/2014/main" id="{C6495C1C-7FD7-3D2A-7564-87F0F6342B96}"/>
+                <a16:creationId xmlns:a16="http://schemas.microsoft.com/office/drawing/2014/main" id="{EEC7FE87-F677-38E7-DEC6-BA003974D147}"/>
               </a:ext>
             </a:extLst>
           </p:cNvPr>
@@ -10062,7 +11347,7 @@
         </p:nvSpPr>
         <p:spPr>
           <a:xfrm>
-            <a:off x="2909094" y="537139"/>
+            <a:off x="2909094" y="549275"/>
             <a:ext cx="6373812" cy="984885"/>
           </a:xfrm>
         </p:spPr>
@@ -10075,7 +11360,7 @@
             <a:pPr algn="ctr"/>
             <a:r>
               <a:rPr lang="pl-PL" sz="4800" dirty="0"/>
-              <a:t>Dyskusja</a:t>
+              <a:t>Wyniki  szczegółowe</a:t>
             </a:r>
           </a:p>
         </p:txBody>
@@ -10085,7 +11370,7 @@
           <p:cNvPr id="4" name="Picture 3">
             <a:extLst>
               <a:ext uri="{FF2B5EF4-FFF2-40B4-BE49-F238E27FC236}">
-                <a16:creationId xmlns:a16="http://schemas.microsoft.com/office/drawing/2014/main" id="{A84CCD13-0BE0-CEE0-C45B-23D1419EC72B}"/>
+                <a16:creationId xmlns:a16="http://schemas.microsoft.com/office/drawing/2014/main" id="{489A8525-F032-7B7C-97FF-0544A9A5EC4C}"/>
               </a:ext>
             </a:extLst>
           </p:cNvPr>
@@ -10101,7 +11386,7 @@
         </p:blipFill>
         <p:spPr>
           <a:xfrm>
-            <a:off x="20" y="2083436"/>
+            <a:off x="0" y="2083436"/>
             <a:ext cx="12191980" cy="4774564"/>
           </a:xfrm>
           <a:custGeom>
@@ -10132,10 +11417,10 @@
       </p:pic>
       <p:sp>
         <p:nvSpPr>
-          <p:cNvPr id="5" name="Rectangle 1">
-            <a:extLst>
-              <a:ext uri="{FF2B5EF4-FFF2-40B4-BE49-F238E27FC236}">
-                <a16:creationId xmlns:a16="http://schemas.microsoft.com/office/drawing/2014/main" id="{D5CF75AC-90F2-F774-491C-E03A6440E992}"/>
+          <p:cNvPr id="9" name="Rectangle 5">
+            <a:extLst>
+              <a:ext uri="{FF2B5EF4-FFF2-40B4-BE49-F238E27FC236}">
+                <a16:creationId xmlns:a16="http://schemas.microsoft.com/office/drawing/2014/main" id="{EECC141C-0104-EF31-5B75-B017F9C8A1F9}"/>
               </a:ext>
             </a:extLst>
           </p:cNvPr>
@@ -10146,8 +11431,8 @@
         </p:nvSpPr>
         <p:spPr bwMode="auto">
           <a:xfrm>
-            <a:off x="243537" y="2684404"/>
-            <a:ext cx="7869527" cy="3416320"/>
+            <a:off x="4233195" y="2083436"/>
+            <a:ext cx="3278650" cy="369332"/>
           </a:xfrm>
           <a:prstGeom prst="rect">
             <a:avLst/>
@@ -10187,7 +11472,7 @@
           </a:extLst>
         </p:spPr>
         <p:txBody>
-          <a:bodyPr vert="horz" wrap="none" lIns="91440" tIns="45720" rIns="91440" bIns="45720" numCol="1" anchor="ctr" anchorCtr="0" compatLnSpc="1">
+          <a:bodyPr vert="horz" wrap="square" lIns="91440" tIns="45720" rIns="91440" bIns="45720" numCol="1" anchor="ctr" anchorCtr="0" compatLnSpc="1">
             <a:prstTxWarp prst="textNoShape">
               <a:avLst/>
             </a:prstTxWarp>
@@ -10212,320 +11497,228 @@
                 </a:solidFill>
                 <a:latin typeface="Arial" panose="020B0604020202020204" pitchFamily="34" charset="0"/>
               </a:rPr>
-              <a:t>Efektywność algorytmu</a:t>
-            </a:r>
-            <a:r>
-              <a:rPr lang="pl-PL" altLang="pl-PL" dirty="0">
-                <a:solidFill>
-                  <a:schemeClr val="bg1"/>
-                </a:solidFill>
-                <a:latin typeface="Arial" panose="020B0604020202020204" pitchFamily="34" charset="0"/>
-              </a:rPr>
-              <a:t> – Algorytmy genetyczne są wydajne i skuteczne </a:t>
-            </a:r>
-          </a:p>
-          <a:p>
-            <a:pPr lvl="0" eaLnBrk="0" fontAlgn="base" hangingPunct="0">
-              <a:spcBef>
-                <a:spcPct val="0"/>
-              </a:spcBef>
-              <a:spcAft>
-                <a:spcPct val="0"/>
-              </a:spcAft>
-            </a:pPr>
-            <a:r>
-              <a:rPr lang="pl-PL" altLang="pl-PL" dirty="0">
-                <a:solidFill>
-                  <a:schemeClr val="bg1"/>
-                </a:solidFill>
-                <a:latin typeface="Arial" panose="020B0604020202020204" pitchFamily="34" charset="0"/>
-              </a:rPr>
-              <a:t>	przy problemach z dużą liczbą potencjalnych rozwiązań, </a:t>
-            </a:r>
-          </a:p>
-          <a:p>
-            <a:pPr lvl="0" eaLnBrk="0" fontAlgn="base" hangingPunct="0">
-              <a:spcBef>
-                <a:spcPct val="0"/>
-              </a:spcBef>
-              <a:spcAft>
-                <a:spcPct val="0"/>
-              </a:spcAft>
-            </a:pPr>
-            <a:r>
-              <a:rPr lang="pl-PL" altLang="pl-PL" dirty="0">
-                <a:solidFill>
-                  <a:schemeClr val="bg1"/>
-                </a:solidFill>
-                <a:latin typeface="Arial" panose="020B0604020202020204" pitchFamily="34" charset="0"/>
-              </a:rPr>
-              <a:t>	takich jak problem hetmanów. Pomimo losowego charakteru, </a:t>
-            </a:r>
-          </a:p>
-          <a:p>
-            <a:pPr lvl="0" eaLnBrk="0" fontAlgn="base" hangingPunct="0">
-              <a:spcBef>
-                <a:spcPct val="0"/>
-              </a:spcBef>
-              <a:spcAft>
-                <a:spcPct val="0"/>
-              </a:spcAft>
-            </a:pPr>
-            <a:r>
-              <a:rPr lang="pl-PL" altLang="pl-PL" dirty="0">
-                <a:solidFill>
-                  <a:schemeClr val="bg1"/>
-                </a:solidFill>
-                <a:latin typeface="Arial" panose="020B0604020202020204" pitchFamily="34" charset="0"/>
-              </a:rPr>
-              <a:t>	osiągają optymalne rozwiązania w stosunkowo krótkim czasie.</a:t>
-            </a:r>
-          </a:p>
-          <a:p>
-            <a:pPr lvl="0" eaLnBrk="0" fontAlgn="base" hangingPunct="0">
-              <a:spcBef>
-                <a:spcPct val="0"/>
-              </a:spcBef>
-              <a:spcAft>
-                <a:spcPct val="0"/>
-              </a:spcAft>
-              <a:buFontTx/>
-              <a:buChar char="•"/>
-            </a:pPr>
-            <a:r>
-              <a:rPr lang="pl-PL" altLang="pl-PL" b="1" dirty="0">
-                <a:solidFill>
-                  <a:schemeClr val="bg1"/>
-                </a:solidFill>
-                <a:latin typeface="Arial" panose="020B0604020202020204" pitchFamily="34" charset="0"/>
-              </a:rPr>
-              <a:t>Zalety i wady</a:t>
-            </a:r>
-            <a:r>
-              <a:rPr lang="pl-PL" altLang="pl-PL" dirty="0">
-                <a:solidFill>
-                  <a:schemeClr val="bg1"/>
-                </a:solidFill>
-                <a:latin typeface="Arial" panose="020B0604020202020204" pitchFamily="34" charset="0"/>
-              </a:rPr>
-              <a:t> – Główną zaletą jest możliwość zastosowania algorytmu </a:t>
-            </a:r>
-          </a:p>
-          <a:p>
-            <a:pPr lvl="0" eaLnBrk="0" fontAlgn="base" hangingPunct="0">
-              <a:spcBef>
-                <a:spcPct val="0"/>
-              </a:spcBef>
-              <a:spcAft>
-                <a:spcPct val="0"/>
-              </a:spcAft>
-            </a:pPr>
-            <a:r>
-              <a:rPr lang="pl-PL" altLang="pl-PL" dirty="0">
-                <a:solidFill>
-                  <a:schemeClr val="bg1"/>
-                </a:solidFill>
-                <a:latin typeface="Arial" panose="020B0604020202020204" pitchFamily="34" charset="0"/>
-              </a:rPr>
-              <a:t>	w różnych problemach optymalizacyjnych. Wadą jest ryzyko </a:t>
-            </a:r>
-          </a:p>
-          <a:p>
-            <a:pPr lvl="0" eaLnBrk="0" fontAlgn="base" hangingPunct="0">
-              <a:spcBef>
-                <a:spcPct val="0"/>
-              </a:spcBef>
-              <a:spcAft>
-                <a:spcPct val="0"/>
-              </a:spcAft>
-            </a:pPr>
-            <a:r>
-              <a:rPr lang="pl-PL" altLang="pl-PL" dirty="0">
-                <a:solidFill>
-                  <a:schemeClr val="bg1"/>
-                </a:solidFill>
-                <a:latin typeface="Arial" panose="020B0604020202020204" pitchFamily="34" charset="0"/>
-              </a:rPr>
-              <a:t>	utknięcia w lokalnych minimach i konieczność dostosowania </a:t>
-            </a:r>
-          </a:p>
-          <a:p>
-            <a:pPr lvl="0" eaLnBrk="0" fontAlgn="base" hangingPunct="0">
-              <a:spcBef>
-                <a:spcPct val="0"/>
-              </a:spcBef>
-              <a:spcAft>
-                <a:spcPct val="0"/>
-              </a:spcAft>
-            </a:pPr>
-            <a:r>
-              <a:rPr lang="pl-PL" altLang="pl-PL" dirty="0">
-                <a:solidFill>
-                  <a:schemeClr val="bg1"/>
-                </a:solidFill>
-                <a:latin typeface="Arial" panose="020B0604020202020204" pitchFamily="34" charset="0"/>
-              </a:rPr>
-              <a:t>	parametrów (np. mutacji).</a:t>
-            </a:r>
-          </a:p>
-          <a:p>
-            <a:pPr lvl="0" eaLnBrk="0" fontAlgn="base" hangingPunct="0">
-              <a:spcBef>
-                <a:spcPct val="0"/>
-              </a:spcBef>
-              <a:spcAft>
-                <a:spcPct val="0"/>
-              </a:spcAft>
-              <a:buFontTx/>
-              <a:buChar char="•"/>
-            </a:pPr>
-            <a:r>
-              <a:rPr lang="pl-PL" altLang="pl-PL" b="1" dirty="0">
-                <a:solidFill>
-                  <a:schemeClr val="bg1"/>
-                </a:solidFill>
-                <a:latin typeface="Arial" panose="020B0604020202020204" pitchFamily="34" charset="0"/>
-              </a:rPr>
-              <a:t>Zastosowanie innych metod</a:t>
-            </a:r>
-            <a:r>
-              <a:rPr lang="pl-PL" altLang="pl-PL" dirty="0">
-                <a:solidFill>
-                  <a:schemeClr val="bg1"/>
-                </a:solidFill>
-                <a:latin typeface="Arial" panose="020B0604020202020204" pitchFamily="34" charset="0"/>
-              </a:rPr>
-              <a:t> – Dla porównania można przedstawić </a:t>
-            </a:r>
-          </a:p>
-          <a:p>
-            <a:pPr lvl="0" eaLnBrk="0" fontAlgn="base" hangingPunct="0">
-              <a:spcBef>
-                <a:spcPct val="0"/>
-              </a:spcBef>
-              <a:spcAft>
-                <a:spcPct val="0"/>
-              </a:spcAft>
-            </a:pPr>
-            <a:r>
-              <a:rPr lang="pl-PL" altLang="pl-PL" dirty="0">
-                <a:solidFill>
-                  <a:schemeClr val="bg1"/>
-                </a:solidFill>
-                <a:latin typeface="Arial" panose="020B0604020202020204" pitchFamily="34" charset="0"/>
-              </a:rPr>
-              <a:t>	wyniki metod deterministycznych, takich jak </a:t>
-            </a:r>
-            <a:r>
-              <a:rPr lang="pl-PL" altLang="pl-PL" dirty="0" err="1">
-                <a:solidFill>
-                  <a:schemeClr val="bg1"/>
-                </a:solidFill>
-                <a:latin typeface="Arial" panose="020B0604020202020204" pitchFamily="34" charset="0"/>
-              </a:rPr>
-              <a:t>backtracking</a:t>
-            </a:r>
-            <a:r>
-              <a:rPr lang="pl-PL" altLang="pl-PL" dirty="0">
-                <a:solidFill>
-                  <a:schemeClr val="bg1"/>
-                </a:solidFill>
-                <a:latin typeface="Arial" panose="020B0604020202020204" pitchFamily="34" charset="0"/>
-              </a:rPr>
-              <a:t>, </a:t>
-            </a:r>
-          </a:p>
-          <a:p>
-            <a:pPr lvl="0" eaLnBrk="0" fontAlgn="base" hangingPunct="0">
-              <a:spcBef>
-                <a:spcPct val="0"/>
-              </a:spcBef>
-              <a:spcAft>
-                <a:spcPct val="0"/>
-              </a:spcAft>
-            </a:pPr>
-            <a:r>
-              <a:rPr lang="pl-PL" altLang="pl-PL" dirty="0">
-                <a:solidFill>
-                  <a:schemeClr val="bg1"/>
-                </a:solidFill>
-                <a:latin typeface="Arial" panose="020B0604020202020204" pitchFamily="34" charset="0"/>
-              </a:rPr>
-              <a:t>	które w przypadku tego problemu są bardziej przewidywalne, </a:t>
-            </a:r>
-          </a:p>
-          <a:p>
-            <a:pPr lvl="0" eaLnBrk="0" fontAlgn="base" hangingPunct="0">
-              <a:spcBef>
-                <a:spcPct val="0"/>
-              </a:spcBef>
-              <a:spcAft>
-                <a:spcPct val="0"/>
-              </a:spcAft>
-            </a:pPr>
-            <a:r>
-              <a:rPr lang="pl-PL" altLang="pl-PL" dirty="0">
-                <a:solidFill>
-                  <a:schemeClr val="bg1"/>
-                </a:solidFill>
-                <a:latin typeface="Arial" panose="020B0604020202020204" pitchFamily="34" charset="0"/>
-              </a:rPr>
-              <a:t>	choć mniej elastyczne dla większych problemów. </a:t>
-            </a:r>
+              <a:t>Rozwiązania problemu dla:</a:t>
+            </a:r>
+            <a:endParaRPr lang="pl-PL" altLang="pl-PL" dirty="0">
+              <a:solidFill>
+                <a:schemeClr val="bg1"/>
+              </a:solidFill>
+              <a:latin typeface="Arial" panose="020B0604020202020204" pitchFamily="34" charset="0"/>
+            </a:endParaRPr>
           </a:p>
         </p:txBody>
       </p:sp>
-      <p:pic>
-        <p:nvPicPr>
-          <p:cNvPr id="8" name="Picture 4" descr="Ed Miller - Poker jest jak kryptografia - PokerTexas.net">
-            <a:extLst>
-              <a:ext uri="{FF2B5EF4-FFF2-40B4-BE49-F238E27FC236}">
-                <a16:creationId xmlns:a16="http://schemas.microsoft.com/office/drawing/2014/main" id="{C6220FAD-39FF-98C0-A31E-1D414E113533}"/>
-              </a:ext>
-            </a:extLst>
-          </p:cNvPr>
-          <p:cNvPicPr>
-            <a:picLocks noChangeAspect="1" noChangeArrowheads="1"/>
-          </p:cNvPicPr>
+      <p:sp>
+        <p:nvSpPr>
+          <p:cNvPr id="3" name="pole tekstowe 2">
+            <a:extLst>
+              <a:ext uri="{FF2B5EF4-FFF2-40B4-BE49-F238E27FC236}">
+                <a16:creationId xmlns:a16="http://schemas.microsoft.com/office/drawing/2014/main" id="{0855E978-F6BC-92E7-EF7C-25F58169A895}"/>
+              </a:ext>
+            </a:extLst>
+          </p:cNvPr>
+          <p:cNvSpPr txBox="1"/>
           <p:nvPr/>
-        </p:nvPicPr>
-        <p:blipFill>
-          <a:blip r:embed="rId3">
-            <a:extLst>
-              <a:ext uri="{28A0092B-C50C-407E-A947-70E740481C1C}">
-                <a14:useLocalDpi xmlns:a14="http://schemas.microsoft.com/office/drawing/2010/main" val="0"/>
-              </a:ext>
-            </a:extLst>
-          </a:blip>
-          <a:srcRect/>
-          <a:stretch>
-            <a:fillRect/>
-          </a:stretch>
-        </p:blipFill>
-        <p:spPr bwMode="auto">
+        </p:nvSpPr>
+        <p:spPr>
           <a:xfrm>
-            <a:off x="8533940" y="2269307"/>
-            <a:ext cx="2714625" cy="1685925"/>
+            <a:off x="1313924" y="2723339"/>
+            <a:ext cx="707245" cy="369332"/>
           </a:xfrm>
           <a:prstGeom prst="rect">
             <a:avLst/>
           </a:prstGeom>
           <a:noFill/>
-          <a:extLst>
-            <a:ext uri="{909E8E84-426E-40DD-AFC4-6F175D3DCCD1}">
-              <a14:hiddenFill xmlns:a14="http://schemas.microsoft.com/office/drawing/2010/main">
-                <a:solidFill>
-                  <a:srgbClr val="FFFFFF"/>
-                </a:solidFill>
-              </a14:hiddenFill>
-            </a:ext>
-          </a:extLst>
+        </p:spPr>
+        <p:txBody>
+          <a:bodyPr wrap="none" rtlCol="0">
+            <a:spAutoFit/>
+          </a:bodyPr>
+          <a:lstStyle/>
+          <a:p>
+            <a:r>
+              <a:rPr lang="pl-PL" dirty="0">
+                <a:solidFill>
+                  <a:schemeClr val="bg1"/>
+                </a:solidFill>
+              </a:rPr>
+              <a:t>N =8</a:t>
+            </a:r>
+          </a:p>
+        </p:txBody>
+      </p:sp>
+      <p:sp>
+        <p:nvSpPr>
+          <p:cNvPr id="6" name="pole tekstowe 5">
+            <a:extLst>
+              <a:ext uri="{FF2B5EF4-FFF2-40B4-BE49-F238E27FC236}">
+                <a16:creationId xmlns:a16="http://schemas.microsoft.com/office/drawing/2014/main" id="{7AF88FB7-DCDB-6E53-58B8-099C10A08F3F}"/>
+              </a:ext>
+            </a:extLst>
+          </p:cNvPr>
+          <p:cNvSpPr txBox="1"/>
+          <p:nvPr/>
+        </p:nvSpPr>
+        <p:spPr>
+          <a:xfrm>
+            <a:off x="5518897" y="2723339"/>
+            <a:ext cx="707245" cy="369332"/>
+          </a:xfrm>
+          <a:prstGeom prst="rect">
+            <a:avLst/>
+          </a:prstGeom>
+          <a:noFill/>
+        </p:spPr>
+        <p:txBody>
+          <a:bodyPr wrap="none" rtlCol="0">
+            <a:spAutoFit/>
+          </a:bodyPr>
+          <a:lstStyle/>
+          <a:p>
+            <a:r>
+              <a:rPr lang="pl-PL" dirty="0">
+                <a:solidFill>
+                  <a:schemeClr val="bg1"/>
+                </a:solidFill>
+              </a:rPr>
+              <a:t>N =9</a:t>
+            </a:r>
+          </a:p>
+        </p:txBody>
+      </p:sp>
+      <p:sp>
+        <p:nvSpPr>
+          <p:cNvPr id="7" name="pole tekstowe 6">
+            <a:extLst>
+              <a:ext uri="{FF2B5EF4-FFF2-40B4-BE49-F238E27FC236}">
+                <a16:creationId xmlns:a16="http://schemas.microsoft.com/office/drawing/2014/main" id="{D22DC62C-553F-9CE4-7D13-812FFA1EAD3F}"/>
+              </a:ext>
+            </a:extLst>
+          </p:cNvPr>
+          <p:cNvSpPr txBox="1"/>
+          <p:nvPr/>
+        </p:nvSpPr>
+        <p:spPr>
+          <a:xfrm>
+            <a:off x="9723870" y="2723339"/>
+            <a:ext cx="841897" cy="369332"/>
+          </a:xfrm>
+          <a:prstGeom prst="rect">
+            <a:avLst/>
+          </a:prstGeom>
+          <a:noFill/>
+        </p:spPr>
+        <p:txBody>
+          <a:bodyPr wrap="none" rtlCol="0">
+            <a:spAutoFit/>
+          </a:bodyPr>
+          <a:lstStyle/>
+          <a:p>
+            <a:r>
+              <a:rPr lang="pl-PL" dirty="0">
+                <a:solidFill>
+                  <a:schemeClr val="bg1"/>
+                </a:solidFill>
+              </a:rPr>
+              <a:t>N =10</a:t>
+            </a:r>
+          </a:p>
+        </p:txBody>
+      </p:sp>
+      <p:pic>
+        <p:nvPicPr>
+          <p:cNvPr id="10" name="Obraz 9">
+            <a:extLst>
+              <a:ext uri="{FF2B5EF4-FFF2-40B4-BE49-F238E27FC236}">
+                <a16:creationId xmlns:a16="http://schemas.microsoft.com/office/drawing/2014/main" id="{9392AB3B-CC11-BC93-534F-12350B0C3A74}"/>
+              </a:ext>
+            </a:extLst>
+          </p:cNvPr>
+          <p:cNvPicPr>
+            <a:picLocks noChangeAspect="1"/>
+          </p:cNvPicPr>
+          <p:nvPr/>
+        </p:nvPicPr>
+        <p:blipFill>
+          <a:blip r:embed="rId3"/>
+          <a:stretch>
+            <a:fillRect/>
+          </a:stretch>
+        </p:blipFill>
+        <p:spPr>
+          <a:xfrm>
+            <a:off x="189448" y="3227956"/>
+            <a:ext cx="2956196" cy="3494758"/>
+          </a:xfrm>
+          <a:prstGeom prst="rect">
+            <a:avLst/>
+          </a:prstGeom>
+        </p:spPr>
+      </p:pic>
+      <p:pic>
+        <p:nvPicPr>
+          <p:cNvPr id="12" name="Obraz 11">
+            <a:extLst>
+              <a:ext uri="{FF2B5EF4-FFF2-40B4-BE49-F238E27FC236}">
+                <a16:creationId xmlns:a16="http://schemas.microsoft.com/office/drawing/2014/main" id="{E82E548B-7FAB-383D-D319-990884883B4F}"/>
+              </a:ext>
+            </a:extLst>
+          </p:cNvPr>
+          <p:cNvPicPr>
+            <a:picLocks noChangeAspect="1"/>
+          </p:cNvPicPr>
+          <p:nvPr/>
+        </p:nvPicPr>
+        <p:blipFill>
+          <a:blip r:embed="rId4"/>
+          <a:stretch>
+            <a:fillRect/>
+          </a:stretch>
+        </p:blipFill>
+        <p:spPr>
+          <a:xfrm>
+            <a:off x="4394421" y="3227956"/>
+            <a:ext cx="2956195" cy="3494758"/>
+          </a:xfrm>
+          <a:prstGeom prst="rect">
+            <a:avLst/>
+          </a:prstGeom>
+        </p:spPr>
+      </p:pic>
+      <p:pic>
+        <p:nvPicPr>
+          <p:cNvPr id="14" name="Obraz 13">
+            <a:extLst>
+              <a:ext uri="{FF2B5EF4-FFF2-40B4-BE49-F238E27FC236}">
+                <a16:creationId xmlns:a16="http://schemas.microsoft.com/office/drawing/2014/main" id="{7336EF01-071F-E249-167C-057B06B6C0B6}"/>
+              </a:ext>
+            </a:extLst>
+          </p:cNvPr>
+          <p:cNvPicPr>
+            <a:picLocks noChangeAspect="1"/>
+          </p:cNvPicPr>
+          <p:nvPr/>
+        </p:nvPicPr>
+        <p:blipFill>
+          <a:blip r:embed="rId5"/>
+          <a:stretch>
+            <a:fillRect/>
+          </a:stretch>
+        </p:blipFill>
+        <p:spPr>
+          <a:xfrm>
+            <a:off x="8599393" y="3227956"/>
+            <a:ext cx="2956196" cy="3494758"/>
+          </a:xfrm>
+          <a:prstGeom prst="rect">
+            <a:avLst/>
+          </a:prstGeom>
         </p:spPr>
       </p:pic>
     </p:spTree>
     <p:extLst>
       <p:ext uri="{BB962C8B-B14F-4D97-AF65-F5344CB8AC3E}">
-        <p14:creationId xmlns:p14="http://schemas.microsoft.com/office/powerpoint/2010/main" val="2241361794"/>
+        <p14:creationId xmlns:p14="http://schemas.microsoft.com/office/powerpoint/2010/main" val="792351846"/>
       </p:ext>
     </p:extLst>
   </p:cSld>
@@ -10535,7 +11728,7 @@
 </p:sld>
 </file>
 
-<file path=ppt/slides/slide8.xml><?xml version="1.0" encoding="utf-8"?>
+<file path=ppt/slides/slide9.xml><?xml version="1.0" encoding="utf-8"?>
 <p:sld xmlns:a="http://schemas.openxmlformats.org/drawingml/2006/main" xmlns:r="http://schemas.openxmlformats.org/officeDocument/2006/relationships" xmlns:p="http://schemas.openxmlformats.org/presentationml/2006/main">
   <p:cSld>
     <p:spTree>
@@ -10543,7 +11736,7 @@
         <p:cNvPr id="1" name="">
           <a:extLst>
             <a:ext uri="{FF2B5EF4-FFF2-40B4-BE49-F238E27FC236}">
-              <a16:creationId xmlns:a16="http://schemas.microsoft.com/office/drawing/2014/main" id="{E7585A48-B4E4-BBE4-1609-8CB081676F20}"/>
+              <a16:creationId xmlns:a16="http://schemas.microsoft.com/office/drawing/2014/main" id="{6ABB586C-44D3-2ED1-C4C8-E7B137660D1F}"/>
             </a:ext>
           </a:extLst>
         </p:cNvPr>
@@ -10563,7 +11756,7 @@
           <p:cNvPr id="2" name="Tytuł 1">
             <a:extLst>
               <a:ext uri="{FF2B5EF4-FFF2-40B4-BE49-F238E27FC236}">
-                <a16:creationId xmlns:a16="http://schemas.microsoft.com/office/drawing/2014/main" id="{4A6FBF6D-D6E0-07DF-0D73-319608B99429}"/>
+                <a16:creationId xmlns:a16="http://schemas.microsoft.com/office/drawing/2014/main" id="{3C9FD7D4-7259-FD1A-7D25-3222293B5F58}"/>
               </a:ext>
             </a:extLst>
           </p:cNvPr>
@@ -10576,7 +11769,7 @@
         </p:nvSpPr>
         <p:spPr>
           <a:xfrm>
-            <a:off x="2909094" y="537139"/>
+            <a:off x="2909094" y="549275"/>
             <a:ext cx="6373812" cy="984885"/>
           </a:xfrm>
         </p:spPr>
@@ -10589,7 +11782,7 @@
             <a:pPr algn="ctr"/>
             <a:r>
               <a:rPr lang="pl-PL" sz="4800" dirty="0"/>
-              <a:t>Wnioski</a:t>
+              <a:t>Wyniki  szczegółowe</a:t>
             </a:r>
           </a:p>
         </p:txBody>
@@ -10599,7 +11792,7 @@
           <p:cNvPr id="4" name="Picture 3">
             <a:extLst>
               <a:ext uri="{FF2B5EF4-FFF2-40B4-BE49-F238E27FC236}">
-                <a16:creationId xmlns:a16="http://schemas.microsoft.com/office/drawing/2014/main" id="{BC30BEEA-511A-E7CA-4090-F0E2624E983F}"/>
+                <a16:creationId xmlns:a16="http://schemas.microsoft.com/office/drawing/2014/main" id="{B89D72B9-50DF-2EA2-9530-5DE678F0BC20}"/>
               </a:ext>
             </a:extLst>
           </p:cNvPr>
@@ -10615,7 +11808,7 @@
         </p:blipFill>
         <p:spPr>
           <a:xfrm>
-            <a:off x="20" y="2083436"/>
+            <a:off x="0" y="2083436"/>
             <a:ext cx="12191980" cy="4774564"/>
           </a:xfrm>
           <a:custGeom>
@@ -10646,10 +11839,10 @@
       </p:pic>
       <p:sp>
         <p:nvSpPr>
-          <p:cNvPr id="5" name="Rectangle 1">
-            <a:extLst>
-              <a:ext uri="{FF2B5EF4-FFF2-40B4-BE49-F238E27FC236}">
-                <a16:creationId xmlns:a16="http://schemas.microsoft.com/office/drawing/2014/main" id="{979CB4D2-3AA1-359E-32E7-8A9ECF7F06F7}"/>
+          <p:cNvPr id="9" name="Rectangle 5">
+            <a:extLst>
+              <a:ext uri="{FF2B5EF4-FFF2-40B4-BE49-F238E27FC236}">
+                <a16:creationId xmlns:a16="http://schemas.microsoft.com/office/drawing/2014/main" id="{FC7EA201-11E4-54B4-2BC9-D710B3422E60}"/>
               </a:ext>
             </a:extLst>
           </p:cNvPr>
@@ -10660,8 +11853,8 @@
         </p:nvSpPr>
         <p:spPr bwMode="auto">
           <a:xfrm>
-            <a:off x="243537" y="2961405"/>
-            <a:ext cx="8378256" cy="2862322"/>
+            <a:off x="4233195" y="2083436"/>
+            <a:ext cx="3278650" cy="369332"/>
           </a:xfrm>
           <a:prstGeom prst="rect">
             <a:avLst/>
@@ -10701,7 +11894,7 @@
           </a:extLst>
         </p:spPr>
         <p:txBody>
-          <a:bodyPr vert="horz" wrap="none" lIns="91440" tIns="45720" rIns="91440" bIns="45720" numCol="1" anchor="ctr" anchorCtr="0" compatLnSpc="1">
+          <a:bodyPr vert="horz" wrap="square" lIns="91440" tIns="45720" rIns="91440" bIns="45720" numCol="1" anchor="ctr" anchorCtr="0" compatLnSpc="1">
             <a:prstTxWarp prst="textNoShape">
               <a:avLst/>
             </a:prstTxWarp>
@@ -10709,275 +11902,40 @@
           </a:bodyPr>
           <a:lstStyle/>
           <a:p>
-            <a:pPr>
-              <a:buFont typeface="Arial" panose="020B0604020202020204" pitchFamily="34" charset="0"/>
+            <a:pPr lvl="0" eaLnBrk="0" fontAlgn="base" hangingPunct="0">
+              <a:spcBef>
+                <a:spcPct val="0"/>
+              </a:spcBef>
+              <a:spcAft>
+                <a:spcPct val="0"/>
+              </a:spcAft>
+              <a:buFontTx/>
               <a:buChar char="•"/>
             </a:pPr>
             <a:r>
-              <a:rPr lang="pl-PL" b="1" dirty="0">
+              <a:rPr lang="pl-PL" altLang="pl-PL" b="1" dirty="0">
                 <a:solidFill>
                   <a:schemeClr val="bg1"/>
                 </a:solidFill>
+                <a:latin typeface="Arial" panose="020B0604020202020204" pitchFamily="34" charset="0"/>
               </a:rPr>
-              <a:t>Skuteczność</a:t>
-            </a:r>
-            <a:r>
-              <a:rPr lang="pl-PL" dirty="0">
-                <a:solidFill>
-                  <a:schemeClr val="bg1"/>
-                </a:solidFill>
-              </a:rPr>
-              <a:t> – Algorytm genetyczny skutecznie rozwiązał problem 8-queens, </a:t>
-            </a:r>
-          </a:p>
-          <a:p>
-            <a:r>
-              <a:rPr lang="pl-PL" dirty="0">
-                <a:solidFill>
-                  <a:schemeClr val="bg1"/>
-                </a:solidFill>
-              </a:rPr>
-              <a:t>	co potwierdza jego przydatność w problemach optymalizacyjnych.</a:t>
-            </a:r>
-          </a:p>
-          <a:p>
-            <a:pPr>
-              <a:buFont typeface="Arial" panose="020B0604020202020204" pitchFamily="34" charset="0"/>
-              <a:buChar char="•"/>
-            </a:pPr>
-            <a:r>
-              <a:rPr lang="pl-PL" b="1" dirty="0">
-                <a:solidFill>
-                  <a:schemeClr val="bg1"/>
-                </a:solidFill>
-              </a:rPr>
-              <a:t>Parametryzacja</a:t>
-            </a:r>
-            <a:r>
-              <a:rPr lang="pl-PL" dirty="0">
-                <a:solidFill>
-                  <a:schemeClr val="bg1"/>
-                </a:solidFill>
-              </a:rPr>
-              <a:t> – Kluczowe jest dobranie odpowiednich parametrów </a:t>
-            </a:r>
-          </a:p>
-          <a:p>
-            <a:r>
-              <a:rPr lang="pl-PL" dirty="0">
-                <a:solidFill>
-                  <a:schemeClr val="bg1"/>
-                </a:solidFill>
-              </a:rPr>
-              <a:t>	algorytmu (populacja, mutacja, liczba pokoleń), co ma </a:t>
-            </a:r>
-          </a:p>
-          <a:p>
-            <a:r>
-              <a:rPr lang="pl-PL" dirty="0">
-                <a:solidFill>
-                  <a:schemeClr val="bg1"/>
-                </a:solidFill>
-              </a:rPr>
-              <a:t>	bezpośredni wpływ na czas i skuteczność znajdowania rozwiązania.</a:t>
-            </a:r>
-          </a:p>
-          <a:p>
-            <a:pPr>
-              <a:buFont typeface="Arial" panose="020B0604020202020204" pitchFamily="34" charset="0"/>
-              <a:buChar char="•"/>
-            </a:pPr>
-            <a:r>
-              <a:rPr lang="pl-PL" b="1" dirty="0">
-                <a:solidFill>
-                  <a:schemeClr val="bg1"/>
-                </a:solidFill>
-              </a:rPr>
-              <a:t>Perspektywy</a:t>
-            </a:r>
-            <a:r>
-              <a:rPr lang="pl-PL" dirty="0">
-                <a:solidFill>
-                  <a:schemeClr val="bg1"/>
-                </a:solidFill>
-              </a:rPr>
-              <a:t> – Algorytm ten można z łatwością dostosować do </a:t>
-            </a:r>
-          </a:p>
-          <a:p>
-            <a:pPr lvl="1"/>
-            <a:r>
-              <a:rPr lang="pl-PL" dirty="0">
-                <a:solidFill>
-                  <a:schemeClr val="bg1"/>
-                </a:solidFill>
-              </a:rPr>
-              <a:t>	rozwiązywania innych problemów optymalizacji, </a:t>
-            </a:r>
-          </a:p>
-          <a:p>
-            <a:pPr lvl="1"/>
-            <a:r>
-              <a:rPr lang="pl-PL" dirty="0">
-                <a:solidFill>
-                  <a:schemeClr val="bg1"/>
-                </a:solidFill>
-              </a:rPr>
-              <a:t>	np. komiwojażera. Dalszym krokiem może być badanie </a:t>
-            </a:r>
-          </a:p>
-          <a:p>
-            <a:pPr lvl="1"/>
-            <a:r>
-              <a:rPr lang="pl-PL" dirty="0">
-                <a:solidFill>
-                  <a:schemeClr val="bg1"/>
-                </a:solidFill>
-              </a:rPr>
-              <a:t>	efektywności algorytmu na szachownicach o większych </a:t>
-            </a:r>
-          </a:p>
-          <a:p>
-            <a:pPr lvl="1"/>
-            <a:r>
-              <a:rPr lang="pl-PL" dirty="0">
-                <a:solidFill>
-                  <a:schemeClr val="bg1"/>
-                </a:solidFill>
-              </a:rPr>
-              <a:t>	rozmiarach lub w zastosowaniach praktycznych.</a:t>
-            </a:r>
+              <a:t>Rozwiązania problemu dla:</a:t>
+            </a:r>
+            <a:endParaRPr lang="pl-PL" altLang="pl-PL" dirty="0">
+              <a:solidFill>
+                <a:schemeClr val="bg1"/>
+              </a:solidFill>
+              <a:latin typeface="Arial" panose="020B0604020202020204" pitchFamily="34" charset="0"/>
+            </a:endParaRPr>
           </a:p>
         </p:txBody>
       </p:sp>
-    </p:spTree>
-    <p:extLst>
-      <p:ext uri="{BB962C8B-B14F-4D97-AF65-F5344CB8AC3E}">
-        <p14:creationId xmlns:p14="http://schemas.microsoft.com/office/powerpoint/2010/main" val="4069318120"/>
-      </p:ext>
-    </p:extLst>
-  </p:cSld>
-  <p:clrMapOvr>
-    <a:masterClrMapping/>
-  </p:clrMapOvr>
-</p:sld>
-</file>
-
-<file path=ppt/slides/slide9.xml><?xml version="1.0" encoding="utf-8"?>
-<p:sld xmlns:a="http://schemas.openxmlformats.org/drawingml/2006/main" xmlns:r="http://schemas.openxmlformats.org/officeDocument/2006/relationships" xmlns:p="http://schemas.openxmlformats.org/presentationml/2006/main">
-  <p:cSld>
-    <p:spTree>
-      <p:nvGrpSpPr>
-        <p:cNvPr id="1" name="">
-          <a:extLst>
-            <a:ext uri="{FF2B5EF4-FFF2-40B4-BE49-F238E27FC236}">
-              <a16:creationId xmlns:a16="http://schemas.microsoft.com/office/drawing/2014/main" id="{A1AA8A35-A467-875C-C040-B407322F13FA}"/>
-            </a:ext>
-          </a:extLst>
-        </p:cNvPr>
-        <p:cNvGrpSpPr/>
-        <p:nvPr/>
-      </p:nvGrpSpPr>
-      <p:grpSpPr>
-        <a:xfrm>
-          <a:off x="0" y="0"/>
-          <a:ext cx="0" cy="0"/>
-          <a:chOff x="0" y="0"/>
-          <a:chExt cx="0" cy="0"/>
-        </a:xfrm>
-      </p:grpSpPr>
-      <p:sp>
-        <p:nvSpPr>
-          <p:cNvPr id="2" name="Tytuł 1">
-            <a:extLst>
-              <a:ext uri="{FF2B5EF4-FFF2-40B4-BE49-F238E27FC236}">
-                <a16:creationId xmlns:a16="http://schemas.microsoft.com/office/drawing/2014/main" id="{EDA96D1C-0931-289F-8A97-929330377ECD}"/>
-              </a:ext>
-            </a:extLst>
-          </p:cNvPr>
-          <p:cNvSpPr>
-            <a:spLocks noGrp="1"/>
-          </p:cNvSpPr>
-          <p:nvPr>
-            <p:ph type="ctrTitle"/>
-          </p:nvPr>
-        </p:nvSpPr>
-        <p:spPr>
-          <a:xfrm>
-            <a:off x="2909094" y="510121"/>
-            <a:ext cx="6373812" cy="984885"/>
-          </a:xfrm>
-        </p:spPr>
-        <p:txBody>
-          <a:bodyPr wrap="square" anchor="ctr">
-            <a:normAutofit/>
-          </a:bodyPr>
-          <a:lstStyle/>
-          <a:p>
-            <a:pPr algn="ctr"/>
-            <a:r>
-              <a:rPr lang="pl-PL" sz="4800" dirty="0"/>
-              <a:t>Literatura</a:t>
-            </a:r>
-          </a:p>
-        </p:txBody>
-      </p:sp>
-      <p:pic>
-        <p:nvPicPr>
-          <p:cNvPr id="4" name="Picture 3">
-            <a:extLst>
-              <a:ext uri="{FF2B5EF4-FFF2-40B4-BE49-F238E27FC236}">
-                <a16:creationId xmlns:a16="http://schemas.microsoft.com/office/drawing/2014/main" id="{DD3A22A4-5C61-6F4A-2735-1D154809997B}"/>
-              </a:ext>
-            </a:extLst>
-          </p:cNvPr>
-          <p:cNvPicPr>
-            <a:picLocks noChangeAspect="1"/>
-          </p:cNvPicPr>
-          <p:nvPr/>
-        </p:nvPicPr>
-        <p:blipFill>
-          <a:blip r:embed="rId2"/>
-          <a:srcRect t="5435" b="42350"/>
-          <a:stretch/>
-        </p:blipFill>
-        <p:spPr>
-          <a:xfrm>
-            <a:off x="20" y="2083435"/>
-            <a:ext cx="12191980" cy="4774564"/>
-          </a:xfrm>
-          <a:custGeom>
-            <a:avLst/>
-            <a:gdLst/>
-            <a:ahLst/>
-            <a:cxnLst/>
-            <a:rect l="l" t="t" r="r" b="b"/>
-            <a:pathLst>
-              <a:path w="12192000" h="4774564">
-                <a:moveTo>
-                  <a:pt x="0" y="0"/>
-                </a:moveTo>
-                <a:lnTo>
-                  <a:pt x="12192000" y="0"/>
-                </a:lnTo>
-                <a:lnTo>
-                  <a:pt x="12192000" y="4774564"/>
-                </a:lnTo>
-                <a:lnTo>
-                  <a:pt x="0" y="4774564"/>
-                </a:lnTo>
-                <a:close/>
-              </a:path>
-            </a:pathLst>
-          </a:custGeom>
-        </p:spPr>
-      </p:pic>
       <p:sp>
         <p:nvSpPr>
           <p:cNvPr id="3" name="pole tekstowe 2">
             <a:extLst>
               <a:ext uri="{FF2B5EF4-FFF2-40B4-BE49-F238E27FC236}">
-                <a16:creationId xmlns:a16="http://schemas.microsoft.com/office/drawing/2014/main" id="{CDD2E3DD-9FE1-0F36-8C2C-F534F8B1CC2D}"/>
+                <a16:creationId xmlns:a16="http://schemas.microsoft.com/office/drawing/2014/main" id="{FB870E9C-8E0D-DD5F-3082-85EA21B17324}"/>
               </a:ext>
             </a:extLst>
           </p:cNvPr>
@@ -10986,8 +11944,8 @@
         </p:nvSpPr>
         <p:spPr>
           <a:xfrm>
-            <a:off x="550864" y="2389240"/>
-            <a:ext cx="6213730" cy="2400657"/>
+            <a:off x="1313924" y="2723339"/>
+            <a:ext cx="841897" cy="369332"/>
           </a:xfrm>
           <a:prstGeom prst="rect">
             <a:avLst/>
@@ -10995,82 +11953,194 @@
           <a:noFill/>
         </p:spPr>
         <p:txBody>
-          <a:bodyPr wrap="square" rtlCol="0">
+          <a:bodyPr wrap="none" rtlCol="0">
             <a:spAutoFit/>
           </a:bodyPr>
           <a:lstStyle/>
           <a:p>
             <a:r>
-              <a:rPr lang="pl-PL" sz="2400" b="1" dirty="0">
+              <a:rPr lang="pl-PL" dirty="0">
                 <a:solidFill>
                   <a:schemeClr val="bg1"/>
                 </a:solidFill>
               </a:rPr>
-              <a:t>Źródła opracowań dla algorytmów:</a:t>
-            </a:r>
-            <a:endParaRPr lang="pl-PL" dirty="0">
-              <a:solidFill>
-                <a:schemeClr val="bg1"/>
-              </a:solidFill>
-            </a:endParaRPr>
-          </a:p>
-          <a:p>
-            <a:pPr marL="285750" indent="-285750">
-              <a:buFont typeface="Arial" panose="020B0604020202020204" pitchFamily="34" charset="0"/>
-              <a:buChar char="•"/>
-            </a:pPr>
-            <a:r>
-              <a:rPr lang="pl-PL" dirty="0">
-                <a:solidFill>
-                  <a:schemeClr val="bg1"/>
-                </a:solidFill>
-                <a:hlinkClick r:id="rId3"/>
-              </a:rPr>
-              <a:t>https://medium.com/nerd-for-tech/genetic-algorithm-8-queens-problem-b01730e673fd</a:t>
-            </a:r>
-            <a:endParaRPr lang="pl-PL" dirty="0">
-              <a:solidFill>
-                <a:schemeClr val="bg1"/>
-              </a:solidFill>
-            </a:endParaRPr>
-          </a:p>
-          <a:p>
-            <a:pPr marL="285750" indent="-285750">
-              <a:buFont typeface="Arial" panose="020B0604020202020204" pitchFamily="34" charset="0"/>
-              <a:buChar char="•"/>
-            </a:pPr>
-            <a:r>
-              <a:rPr lang="pl-PL" dirty="0">
-                <a:solidFill>
-                  <a:schemeClr val="bg1"/>
-                </a:solidFill>
-                <a:hlinkClick r:id="rId4"/>
-              </a:rPr>
-              <a:t>https://www.researchgate.net/publication/294121515_Solving_8-Queens_Problem_by_Using_Genetic_Algorithms_Simulated_Annealing_and_Randomization_Method</a:t>
-            </a:r>
-            <a:endParaRPr lang="pl-PL" dirty="0">
-              <a:solidFill>
-                <a:schemeClr val="bg1"/>
-              </a:solidFill>
-            </a:endParaRPr>
-          </a:p>
-          <a:p>
-            <a:pPr marL="285750" indent="-285750">
-              <a:buFont typeface="Arial" panose="020B0604020202020204" pitchFamily="34" charset="0"/>
-              <a:buChar char="•"/>
-            </a:pPr>
-            <a:endParaRPr lang="pl-PL" dirty="0">
-              <a:solidFill>
-                <a:schemeClr val="bg1"/>
-              </a:solidFill>
-            </a:endParaRPr>
+              <a:t>N =11</a:t>
+            </a:r>
           </a:p>
         </p:txBody>
       </p:sp>
+      <p:sp>
+        <p:nvSpPr>
+          <p:cNvPr id="6" name="pole tekstowe 5">
+            <a:extLst>
+              <a:ext uri="{FF2B5EF4-FFF2-40B4-BE49-F238E27FC236}">
+                <a16:creationId xmlns:a16="http://schemas.microsoft.com/office/drawing/2014/main" id="{A957B2A0-5663-F3E3-E7D1-783FAB1DB4D5}"/>
+              </a:ext>
+            </a:extLst>
+          </p:cNvPr>
+          <p:cNvSpPr txBox="1"/>
+          <p:nvPr/>
+        </p:nvSpPr>
+        <p:spPr>
+          <a:xfrm>
+            <a:off x="5518897" y="2723339"/>
+            <a:ext cx="841897" cy="369332"/>
+          </a:xfrm>
+          <a:prstGeom prst="rect">
+            <a:avLst/>
+          </a:prstGeom>
+          <a:noFill/>
+        </p:spPr>
+        <p:txBody>
+          <a:bodyPr wrap="none" rtlCol="0">
+            <a:spAutoFit/>
+          </a:bodyPr>
+          <a:lstStyle/>
+          <a:p>
+            <a:r>
+              <a:rPr lang="pl-PL" dirty="0">
+                <a:solidFill>
+                  <a:schemeClr val="bg1"/>
+                </a:solidFill>
+              </a:rPr>
+              <a:t>N =12</a:t>
+            </a:r>
+          </a:p>
+        </p:txBody>
+      </p:sp>
+      <p:sp>
+        <p:nvSpPr>
+          <p:cNvPr id="7" name="pole tekstowe 6">
+            <a:extLst>
+              <a:ext uri="{FF2B5EF4-FFF2-40B4-BE49-F238E27FC236}">
+                <a16:creationId xmlns:a16="http://schemas.microsoft.com/office/drawing/2014/main" id="{C4D87E1A-F25E-CE4D-6AA8-105BEDE76ADD}"/>
+              </a:ext>
+            </a:extLst>
+          </p:cNvPr>
+          <p:cNvSpPr txBox="1"/>
+          <p:nvPr/>
+        </p:nvSpPr>
+        <p:spPr>
+          <a:xfrm>
+            <a:off x="9723870" y="2723339"/>
+            <a:ext cx="841897" cy="369332"/>
+          </a:xfrm>
+          <a:prstGeom prst="rect">
+            <a:avLst/>
+          </a:prstGeom>
+          <a:noFill/>
+        </p:spPr>
+        <p:txBody>
+          <a:bodyPr wrap="none" rtlCol="0">
+            <a:spAutoFit/>
+          </a:bodyPr>
+          <a:lstStyle/>
+          <a:p>
+            <a:r>
+              <a:rPr lang="pl-PL" dirty="0">
+                <a:solidFill>
+                  <a:schemeClr val="bg1"/>
+                </a:solidFill>
+              </a:rPr>
+              <a:t>N =13</a:t>
+            </a:r>
+          </a:p>
+        </p:txBody>
+      </p:sp>
+      <p:pic>
+        <p:nvPicPr>
+          <p:cNvPr id="8" name="Obraz 7">
+            <a:extLst>
+              <a:ext uri="{FF2B5EF4-FFF2-40B4-BE49-F238E27FC236}">
+                <a16:creationId xmlns:a16="http://schemas.microsoft.com/office/drawing/2014/main" id="{BCDDD900-6BB9-5BB7-CEA9-A6F139555679}"/>
+              </a:ext>
+            </a:extLst>
+          </p:cNvPr>
+          <p:cNvPicPr>
+            <a:picLocks noChangeAspect="1"/>
+          </p:cNvPicPr>
+          <p:nvPr/>
+        </p:nvPicPr>
+        <p:blipFill>
+          <a:blip r:embed="rId3"/>
+          <a:stretch>
+            <a:fillRect/>
+          </a:stretch>
+        </p:blipFill>
+        <p:spPr>
+          <a:xfrm>
+            <a:off x="256774" y="3227956"/>
+            <a:ext cx="2956196" cy="3494758"/>
+          </a:xfrm>
+          <a:prstGeom prst="rect">
+            <a:avLst/>
+          </a:prstGeom>
+        </p:spPr>
+      </p:pic>
+      <p:pic>
+        <p:nvPicPr>
+          <p:cNvPr id="13" name="Obraz 12">
+            <a:extLst>
+              <a:ext uri="{FF2B5EF4-FFF2-40B4-BE49-F238E27FC236}">
+                <a16:creationId xmlns:a16="http://schemas.microsoft.com/office/drawing/2014/main" id="{08E2F683-BD1B-17E3-1920-FEBE06E6610A}"/>
+              </a:ext>
+            </a:extLst>
+          </p:cNvPr>
+          <p:cNvPicPr>
+            <a:picLocks noChangeAspect="1"/>
+          </p:cNvPicPr>
+          <p:nvPr/>
+        </p:nvPicPr>
+        <p:blipFill>
+          <a:blip r:embed="rId4"/>
+          <a:stretch>
+            <a:fillRect/>
+          </a:stretch>
+        </p:blipFill>
+        <p:spPr>
+          <a:xfrm>
+            <a:off x="4394421" y="3227956"/>
+            <a:ext cx="2956195" cy="3494758"/>
+          </a:xfrm>
+          <a:prstGeom prst="rect">
+            <a:avLst/>
+          </a:prstGeom>
+        </p:spPr>
+      </p:pic>
+      <p:pic>
+        <p:nvPicPr>
+          <p:cNvPr id="16" name="Obraz 15">
+            <a:extLst>
+              <a:ext uri="{FF2B5EF4-FFF2-40B4-BE49-F238E27FC236}">
+                <a16:creationId xmlns:a16="http://schemas.microsoft.com/office/drawing/2014/main" id="{742ABAFB-9A04-09FB-304F-7AA24DD2F594}"/>
+              </a:ext>
+            </a:extLst>
+          </p:cNvPr>
+          <p:cNvPicPr>
+            <a:picLocks noChangeAspect="1"/>
+          </p:cNvPicPr>
+          <p:nvPr/>
+        </p:nvPicPr>
+        <p:blipFill>
+          <a:blip r:embed="rId5"/>
+          <a:stretch>
+            <a:fillRect/>
+          </a:stretch>
+        </p:blipFill>
+        <p:spPr>
+          <a:xfrm>
+            <a:off x="8666720" y="3227956"/>
+            <a:ext cx="2956195" cy="3494758"/>
+          </a:xfrm>
+          <a:prstGeom prst="rect">
+            <a:avLst/>
+          </a:prstGeom>
+        </p:spPr>
+      </p:pic>
     </p:spTree>
     <p:extLst>
       <p:ext uri="{BB962C8B-B14F-4D97-AF65-F5344CB8AC3E}">
-        <p14:creationId xmlns:p14="http://schemas.microsoft.com/office/powerpoint/2010/main" val="3414085482"/>
+        <p14:creationId xmlns:p14="http://schemas.microsoft.com/office/powerpoint/2010/main" val="1461935531"/>
       </p:ext>
     </p:extLst>
   </p:cSld>
